--- a/RAP UI Interface/Präsentation1.pptx
+++ b/RAP UI Interface/Präsentation1.pptx
@@ -8,7 +8,6 @@
     <p:sldId id="256" r:id="rId2"/>
     <p:sldId id="257" r:id="rId3"/>
     <p:sldId id="258" r:id="rId4"/>
-    <p:sldId id="259" r:id="rId5"/>
   </p:sldIdLst>
   <p:sldSz cx="12192000" cy="6858000"/>
   <p:notesSz cx="6858000" cy="9144000"/>
@@ -3346,7 +3345,7 @@
           <a:lstStyle/>
           <a:p>
             <a:r>
-              <a:rPr lang="de-DE"/>
+              <a:rPr lang="de-DE" dirty="0"/>
               <a:t>UI Interface</a:t>
             </a:r>
           </a:p>
@@ -3607,1130 +3606,1692 @@
           <a:lstStyle/>
           <a:p>
             <a:r>
-              <a:rPr lang="de-DE" b="1" dirty="0" err="1"/>
+              <a:rPr lang="de-DE" b="1" dirty="0" err="1">
+                <a:latin typeface="Helvetica" pitchFamily="2" charset="0"/>
+              </a:rPr>
               <a:t>UI.lineItem</a:t>
             </a:r>
             <a:br>
-              <a:rPr lang="de-DE" dirty="0"/>
+              <a:rPr lang="de-DE" dirty="0">
+                <a:latin typeface="Helvetica" pitchFamily="2" charset="0"/>
+              </a:rPr>
             </a:br>
             <a:r>
-              <a:rPr lang="de-DE" dirty="0"/>
+              <a:rPr lang="de-DE" dirty="0">
+                <a:latin typeface="Helvetica" pitchFamily="2" charset="0"/>
+              </a:rPr>
               <a:t>The </a:t>
             </a:r>
             <a:r>
-              <a:rPr lang="de-DE" dirty="0" err="1"/>
+              <a:rPr lang="de-DE" dirty="0" err="1">
+                <a:latin typeface="Helvetica" pitchFamily="2" charset="0"/>
+              </a:rPr>
               <a:t>UI.lineItem</a:t>
             </a:r>
             <a:r>
-              <a:rPr lang="de-DE" dirty="0"/>
-              <a:t> </a:t>
-            </a:r>
-            <a:r>
-              <a:rPr lang="de-DE" dirty="0" err="1"/>
+              <a:rPr lang="de-DE" dirty="0">
+                <a:latin typeface="Helvetica" pitchFamily="2" charset="0"/>
+              </a:rPr>
+              <a:t> </a:t>
+            </a:r>
+            <a:r>
+              <a:rPr lang="de-DE" dirty="0" err="1">
+                <a:latin typeface="Helvetica" pitchFamily="2" charset="0"/>
+              </a:rPr>
               <a:t>annotation</a:t>
             </a:r>
             <a:r>
-              <a:rPr lang="de-DE" dirty="0"/>
-              <a:t> </a:t>
-            </a:r>
-            <a:r>
-              <a:rPr lang="de-DE" dirty="0" err="1"/>
+              <a:rPr lang="de-DE" dirty="0">
+                <a:latin typeface="Helvetica" pitchFamily="2" charset="0"/>
+              </a:rPr>
+              <a:t> </a:t>
+            </a:r>
+            <a:r>
+              <a:rPr lang="de-DE" dirty="0" err="1">
+                <a:latin typeface="Helvetica" pitchFamily="2" charset="0"/>
+              </a:rPr>
               <a:t>is</a:t>
             </a:r>
             <a:r>
-              <a:rPr lang="de-DE" dirty="0"/>
-              <a:t> </a:t>
-            </a:r>
-            <a:r>
-              <a:rPr lang="de-DE" dirty="0" err="1"/>
+              <a:rPr lang="de-DE" dirty="0">
+                <a:latin typeface="Helvetica" pitchFamily="2" charset="0"/>
+              </a:rPr>
+              <a:t> </a:t>
+            </a:r>
+            <a:r>
+              <a:rPr lang="de-DE" dirty="0" err="1">
+                <a:latin typeface="Helvetica" pitchFamily="2" charset="0"/>
+              </a:rPr>
               <a:t>used</a:t>
             </a:r>
             <a:r>
-              <a:rPr lang="de-DE" dirty="0"/>
-              <a:t> </a:t>
-            </a:r>
-            <a:r>
-              <a:rPr lang="de-DE" dirty="0" err="1"/>
+              <a:rPr lang="de-DE" dirty="0">
+                <a:latin typeface="Helvetica" pitchFamily="2" charset="0"/>
+              </a:rPr>
+              <a:t> </a:t>
+            </a:r>
+            <a:r>
+              <a:rPr lang="de-DE" dirty="0" err="1">
+                <a:latin typeface="Helvetica" pitchFamily="2" charset="0"/>
+              </a:rPr>
               <a:t>to</a:t>
             </a:r>
             <a:r>
-              <a:rPr lang="de-DE" dirty="0"/>
-              <a:t> </a:t>
-            </a:r>
-            <a:r>
-              <a:rPr lang="de-DE" dirty="0" err="1"/>
+              <a:rPr lang="de-DE" dirty="0">
+                <a:latin typeface="Helvetica" pitchFamily="2" charset="0"/>
+              </a:rPr>
+              <a:t> </a:t>
+            </a:r>
+            <a:r>
+              <a:rPr lang="de-DE" dirty="0" err="1">
+                <a:latin typeface="Helvetica" pitchFamily="2" charset="0"/>
+              </a:rPr>
               <a:t>display</a:t>
             </a:r>
             <a:r>
-              <a:rPr lang="de-DE" dirty="0"/>
-              <a:t> </a:t>
-            </a:r>
-            <a:r>
-              <a:rPr lang="de-DE" dirty="0" err="1"/>
+              <a:rPr lang="de-DE" dirty="0">
+                <a:latin typeface="Helvetica" pitchFamily="2" charset="0"/>
+              </a:rPr>
+              <a:t> </a:t>
+            </a:r>
+            <a:r>
+              <a:rPr lang="de-DE" dirty="0" err="1">
+                <a:latin typeface="Helvetica" pitchFamily="2" charset="0"/>
+              </a:rPr>
               <a:t>data</a:t>
             </a:r>
             <a:r>
-              <a:rPr lang="de-DE" dirty="0"/>
-              <a:t> </a:t>
-            </a:r>
-            <a:r>
-              <a:rPr lang="de-DE" dirty="0" err="1"/>
+              <a:rPr lang="de-DE" dirty="0">
+                <a:latin typeface="Helvetica" pitchFamily="2" charset="0"/>
+              </a:rPr>
+              <a:t> </a:t>
+            </a:r>
+            <a:r>
+              <a:rPr lang="de-DE" dirty="0" err="1">
+                <a:latin typeface="Helvetica" pitchFamily="2" charset="0"/>
+              </a:rPr>
               <a:t>from</a:t>
             </a:r>
             <a:r>
-              <a:rPr lang="de-DE" dirty="0"/>
+              <a:rPr lang="de-DE" dirty="0">
+                <a:latin typeface="Helvetica" pitchFamily="2" charset="0"/>
+              </a:rPr>
               <a:t> multiple </a:t>
             </a:r>
             <a:r>
-              <a:rPr lang="de-DE" dirty="0" err="1"/>
+              <a:rPr lang="de-DE" dirty="0" err="1">
+                <a:latin typeface="Helvetica" pitchFamily="2" charset="0"/>
+              </a:rPr>
               <a:t>data</a:t>
             </a:r>
             <a:r>
-              <a:rPr lang="de-DE" dirty="0"/>
-              <a:t> </a:t>
-            </a:r>
-            <a:r>
-              <a:rPr lang="de-DE" dirty="0" err="1"/>
+              <a:rPr lang="de-DE" dirty="0">
+                <a:latin typeface="Helvetica" pitchFamily="2" charset="0"/>
+              </a:rPr>
+              <a:t> </a:t>
+            </a:r>
+            <a:r>
+              <a:rPr lang="de-DE" dirty="0" err="1">
+                <a:latin typeface="Helvetica" pitchFamily="2" charset="0"/>
+              </a:rPr>
               <a:t>instances</a:t>
             </a:r>
             <a:r>
-              <a:rPr lang="de-DE" dirty="0"/>
+              <a:rPr lang="de-DE" dirty="0">
+                <a:latin typeface="Helvetica" pitchFamily="2" charset="0"/>
+              </a:rPr>
               <a:t> in a </a:t>
             </a:r>
             <a:r>
-              <a:rPr lang="de-DE" dirty="0" err="1"/>
+              <a:rPr lang="de-DE" dirty="0" err="1">
+                <a:latin typeface="Helvetica" pitchFamily="2" charset="0"/>
+              </a:rPr>
               <a:t>table</a:t>
             </a:r>
             <a:r>
-              <a:rPr lang="de-DE" dirty="0"/>
-              <a:t> </a:t>
-            </a:r>
-            <a:r>
-              <a:rPr lang="de-DE" dirty="0" err="1"/>
+              <a:rPr lang="de-DE" dirty="0">
+                <a:latin typeface="Helvetica" pitchFamily="2" charset="0"/>
+              </a:rPr>
+              <a:t> </a:t>
+            </a:r>
+            <a:r>
+              <a:rPr lang="de-DE" dirty="0" err="1">
+                <a:latin typeface="Helvetica" pitchFamily="2" charset="0"/>
+              </a:rPr>
               <a:t>or</a:t>
             </a:r>
             <a:r>
-              <a:rPr lang="de-DE" dirty="0"/>
+              <a:rPr lang="de-DE" dirty="0">
+                <a:latin typeface="Helvetica" pitchFamily="2" charset="0"/>
+              </a:rPr>
               <a:t> a </a:t>
             </a:r>
             <a:r>
-              <a:rPr lang="de-DE" dirty="0" err="1"/>
+              <a:rPr lang="de-DE" dirty="0" err="1">
+                <a:latin typeface="Helvetica" pitchFamily="2" charset="0"/>
+              </a:rPr>
               <a:t>list</a:t>
             </a:r>
             <a:r>
-              <a:rPr lang="de-DE" dirty="0"/>
+              <a:rPr lang="de-DE" dirty="0">
+                <a:latin typeface="Helvetica" pitchFamily="2" charset="0"/>
+              </a:rPr>
               <a:t>. </a:t>
             </a:r>
             <a:r>
-              <a:rPr lang="de-DE" dirty="0" err="1"/>
+              <a:rPr lang="de-DE" dirty="0" err="1">
+                <a:latin typeface="Helvetica" pitchFamily="2" charset="0"/>
+              </a:rPr>
               <a:t>For</a:t>
             </a:r>
             <a:r>
-              <a:rPr lang="de-DE" dirty="0"/>
-              <a:t> </a:t>
-            </a:r>
-            <a:r>
-              <a:rPr lang="de-DE" dirty="0" err="1"/>
+              <a:rPr lang="de-DE" dirty="0">
+                <a:latin typeface="Helvetica" pitchFamily="2" charset="0"/>
+              </a:rPr>
+              <a:t> </a:t>
+            </a:r>
+            <a:r>
+              <a:rPr lang="de-DE" dirty="0" err="1">
+                <a:latin typeface="Helvetica" pitchFamily="2" charset="0"/>
+              </a:rPr>
               <a:t>example</a:t>
             </a:r>
             <a:r>
-              <a:rPr lang="de-DE" dirty="0"/>
+              <a:rPr lang="de-DE" dirty="0">
+                <a:latin typeface="Helvetica" pitchFamily="2" charset="0"/>
+              </a:rPr>
               <a:t>, </a:t>
             </a:r>
             <a:r>
-              <a:rPr lang="de-DE" dirty="0" err="1"/>
+              <a:rPr lang="de-DE" dirty="0" err="1">
+                <a:latin typeface="Helvetica" pitchFamily="2" charset="0"/>
+              </a:rPr>
               <a:t>it</a:t>
             </a:r>
             <a:r>
-              <a:rPr lang="de-DE" dirty="0"/>
-              <a:t> </a:t>
-            </a:r>
-            <a:r>
-              <a:rPr lang="de-DE" dirty="0" err="1"/>
+              <a:rPr lang="de-DE" dirty="0">
+                <a:latin typeface="Helvetica" pitchFamily="2" charset="0"/>
+              </a:rPr>
+              <a:t> </a:t>
+            </a:r>
+            <a:r>
+              <a:rPr lang="de-DE" dirty="0" err="1">
+                <a:latin typeface="Helvetica" pitchFamily="2" charset="0"/>
+              </a:rPr>
               <a:t>can</a:t>
             </a:r>
             <a:r>
-              <a:rPr lang="de-DE" dirty="0"/>
-              <a:t> </a:t>
-            </a:r>
-            <a:r>
-              <a:rPr lang="de-DE" dirty="0" err="1"/>
+              <a:rPr lang="de-DE" dirty="0">
+                <a:latin typeface="Helvetica" pitchFamily="2" charset="0"/>
+              </a:rPr>
+              <a:t> </a:t>
+            </a:r>
+            <a:r>
+              <a:rPr lang="de-DE" dirty="0" err="1">
+                <a:latin typeface="Helvetica" pitchFamily="2" charset="0"/>
+              </a:rPr>
               <a:t>be</a:t>
             </a:r>
             <a:r>
-              <a:rPr lang="de-DE" dirty="0"/>
-              <a:t> </a:t>
-            </a:r>
-            <a:r>
-              <a:rPr lang="de-DE" dirty="0" err="1"/>
+              <a:rPr lang="de-DE" dirty="0">
+                <a:latin typeface="Helvetica" pitchFamily="2" charset="0"/>
+              </a:rPr>
+              <a:t> </a:t>
+            </a:r>
+            <a:r>
+              <a:rPr lang="de-DE" dirty="0" err="1">
+                <a:latin typeface="Helvetica" pitchFamily="2" charset="0"/>
+              </a:rPr>
               <a:t>used</a:t>
             </a:r>
             <a:r>
-              <a:rPr lang="de-DE" dirty="0"/>
-              <a:t> </a:t>
-            </a:r>
-            <a:r>
-              <a:rPr lang="de-DE" dirty="0" err="1"/>
+              <a:rPr lang="de-DE" dirty="0">
+                <a:latin typeface="Helvetica" pitchFamily="2" charset="0"/>
+              </a:rPr>
+              <a:t> </a:t>
+            </a:r>
+            <a:r>
+              <a:rPr lang="de-DE" dirty="0" err="1">
+                <a:latin typeface="Helvetica" pitchFamily="2" charset="0"/>
+              </a:rPr>
               <a:t>to</a:t>
             </a:r>
             <a:r>
-              <a:rPr lang="de-DE" dirty="0"/>
-              <a:t> </a:t>
-            </a:r>
-            <a:r>
-              <a:rPr lang="de-DE" dirty="0" err="1"/>
+              <a:rPr lang="de-DE" dirty="0">
+                <a:latin typeface="Helvetica" pitchFamily="2" charset="0"/>
+              </a:rPr>
+              <a:t> </a:t>
+            </a:r>
+            <a:r>
+              <a:rPr lang="de-DE" dirty="0" err="1">
+                <a:latin typeface="Helvetica" pitchFamily="2" charset="0"/>
+              </a:rPr>
               <a:t>display</a:t>
             </a:r>
             <a:r>
-              <a:rPr lang="de-DE" dirty="0"/>
-              <a:t> </a:t>
-            </a:r>
-            <a:r>
-              <a:rPr lang="de-DE" dirty="0" err="1"/>
+              <a:rPr lang="de-DE" dirty="0">
+                <a:latin typeface="Helvetica" pitchFamily="2" charset="0"/>
+              </a:rPr>
+              <a:t> </a:t>
+            </a:r>
+            <a:r>
+              <a:rPr lang="de-DE" dirty="0" err="1">
+                <a:latin typeface="Helvetica" pitchFamily="2" charset="0"/>
+              </a:rPr>
               <a:t>fields</a:t>
             </a:r>
             <a:r>
-              <a:rPr lang="de-DE" dirty="0"/>
-              <a:t> </a:t>
-            </a:r>
-            <a:r>
-              <a:rPr lang="de-DE" dirty="0" err="1"/>
+              <a:rPr lang="de-DE" dirty="0">
+                <a:latin typeface="Helvetica" pitchFamily="2" charset="0"/>
+              </a:rPr>
+              <a:t> </a:t>
+            </a:r>
+            <a:r>
+              <a:rPr lang="de-DE" dirty="0" err="1">
+                <a:latin typeface="Helvetica" pitchFamily="2" charset="0"/>
+              </a:rPr>
               <a:t>from</a:t>
             </a:r>
             <a:r>
-              <a:rPr lang="de-DE" dirty="0"/>
-              <a:t> </a:t>
-            </a:r>
-            <a:r>
-              <a:rPr lang="de-DE" dirty="0" err="1"/>
+              <a:rPr lang="de-DE" dirty="0">
+                <a:latin typeface="Helvetica" pitchFamily="2" charset="0"/>
+              </a:rPr>
+              <a:t> </a:t>
+            </a:r>
+            <a:r>
+              <a:rPr lang="de-DE" dirty="0" err="1">
+                <a:latin typeface="Helvetica" pitchFamily="2" charset="0"/>
+              </a:rPr>
               <a:t>the</a:t>
             </a:r>
             <a:r>
-              <a:rPr lang="de-DE" dirty="0"/>
-              <a:t> </a:t>
-            </a:r>
-            <a:r>
-              <a:rPr lang="de-DE" dirty="0" err="1"/>
+              <a:rPr lang="de-DE" dirty="0">
+                <a:latin typeface="Helvetica" pitchFamily="2" charset="0"/>
+              </a:rPr>
+              <a:t> </a:t>
+            </a:r>
+            <a:r>
+              <a:rPr lang="de-DE" dirty="0" err="1">
+                <a:latin typeface="Helvetica" pitchFamily="2" charset="0"/>
+              </a:rPr>
               <a:t>table</a:t>
             </a:r>
             <a:r>
-              <a:rPr lang="de-DE" dirty="0"/>
+              <a:rPr lang="de-DE" dirty="0">
+                <a:latin typeface="Helvetica" pitchFamily="2" charset="0"/>
+              </a:rPr>
               <a:t> in </a:t>
             </a:r>
             <a:r>
-              <a:rPr lang="de-DE" dirty="0" err="1"/>
+              <a:rPr lang="de-DE" dirty="0" err="1">
+                <a:latin typeface="Helvetica" pitchFamily="2" charset="0"/>
+              </a:rPr>
               <a:t>the</a:t>
             </a:r>
             <a:r>
-              <a:rPr lang="de-DE" dirty="0"/>
-              <a:t> </a:t>
-            </a:r>
-            <a:r>
-              <a:rPr lang="de-DE" dirty="0" err="1"/>
+              <a:rPr lang="de-DE" dirty="0">
+                <a:latin typeface="Helvetica" pitchFamily="2" charset="0"/>
+              </a:rPr>
+              <a:t> </a:t>
+            </a:r>
+            <a:r>
+              <a:rPr lang="de-DE" dirty="0" err="1">
+                <a:latin typeface="Helvetica" pitchFamily="2" charset="0"/>
+              </a:rPr>
               <a:t>content</a:t>
             </a:r>
             <a:r>
-              <a:rPr lang="de-DE" dirty="0"/>
-              <a:t> </a:t>
-            </a:r>
-            <a:r>
-              <a:rPr lang="de-DE" dirty="0" err="1"/>
+              <a:rPr lang="de-DE" dirty="0">
+                <a:latin typeface="Helvetica" pitchFamily="2" charset="0"/>
+              </a:rPr>
+              <a:t> </a:t>
+            </a:r>
+            <a:r>
+              <a:rPr lang="de-DE" dirty="0" err="1">
+                <a:latin typeface="Helvetica" pitchFamily="2" charset="0"/>
+              </a:rPr>
               <a:t>area</a:t>
             </a:r>
             <a:r>
-              <a:rPr lang="de-DE" dirty="0"/>
-              <a:t> </a:t>
-            </a:r>
-            <a:r>
-              <a:rPr lang="de-DE" dirty="0" err="1"/>
+              <a:rPr lang="de-DE" dirty="0">
+                <a:latin typeface="Helvetica" pitchFamily="2" charset="0"/>
+              </a:rPr>
+              <a:t> </a:t>
+            </a:r>
+            <a:r>
+              <a:rPr lang="de-DE" dirty="0" err="1">
+                <a:latin typeface="Helvetica" pitchFamily="2" charset="0"/>
+              </a:rPr>
               <a:t>of</a:t>
             </a:r>
             <a:r>
-              <a:rPr lang="de-DE" dirty="0"/>
-              <a:t> </a:t>
-            </a:r>
-            <a:r>
-              <a:rPr lang="de-DE" dirty="0" err="1"/>
+              <a:rPr lang="de-DE" dirty="0">
+                <a:latin typeface="Helvetica" pitchFamily="2" charset="0"/>
+              </a:rPr>
+              <a:t> </a:t>
+            </a:r>
+            <a:r>
+              <a:rPr lang="de-DE" dirty="0" err="1">
+                <a:latin typeface="Helvetica" pitchFamily="2" charset="0"/>
+              </a:rPr>
               <a:t>the</a:t>
             </a:r>
             <a:r>
-              <a:rPr lang="de-DE" dirty="0"/>
-              <a:t> </a:t>
-            </a:r>
-            <a:r>
-              <a:rPr lang="de-DE" dirty="0" err="1"/>
+              <a:rPr lang="de-DE" dirty="0">
+                <a:latin typeface="Helvetica" pitchFamily="2" charset="0"/>
+              </a:rPr>
+              <a:t> </a:t>
+            </a:r>
+            <a:r>
+              <a:rPr lang="de-DE" dirty="0" err="1">
+                <a:latin typeface="Helvetica" pitchFamily="2" charset="0"/>
+              </a:rPr>
               <a:t>list</a:t>
             </a:r>
             <a:r>
-              <a:rPr lang="de-DE" dirty="0"/>
-              <a:t> </a:t>
-            </a:r>
-            <a:r>
-              <a:rPr lang="de-DE" dirty="0" err="1"/>
+              <a:rPr lang="de-DE" dirty="0">
+                <a:latin typeface="Helvetica" pitchFamily="2" charset="0"/>
+              </a:rPr>
+              <a:t> </a:t>
+            </a:r>
+            <a:r>
+              <a:rPr lang="de-DE" dirty="0" err="1">
+                <a:latin typeface="Helvetica" pitchFamily="2" charset="0"/>
+              </a:rPr>
               <a:t>report</a:t>
             </a:r>
             <a:r>
-              <a:rPr lang="de-DE" dirty="0"/>
+              <a:rPr lang="de-DE" dirty="0">
+                <a:latin typeface="Helvetica" pitchFamily="2" charset="0"/>
+              </a:rPr>
               <a:t>. </a:t>
             </a:r>
           </a:p>
           <a:p>
             <a:r>
-              <a:rPr lang="de-DE" b="1" dirty="0" err="1"/>
+              <a:rPr lang="de-DE" b="1" dirty="0" err="1">
+                <a:latin typeface="Helvetica" pitchFamily="2" charset="0"/>
+              </a:rPr>
               <a:t>UI.selectionField</a:t>
             </a:r>
             <a:br>
-              <a:rPr lang="de-DE" dirty="0"/>
+              <a:rPr lang="de-DE" dirty="0">
+                <a:latin typeface="Helvetica" pitchFamily="2" charset="0"/>
+              </a:rPr>
             </a:br>
             <a:r>
-              <a:rPr lang="de-DE" dirty="0"/>
+              <a:rPr lang="de-DE" dirty="0">
+                <a:latin typeface="Helvetica" pitchFamily="2" charset="0"/>
+              </a:rPr>
               <a:t>The UI </a:t>
             </a:r>
             <a:r>
-              <a:rPr lang="de-DE" dirty="0" err="1"/>
+              <a:rPr lang="de-DE" dirty="0" err="1">
+                <a:latin typeface="Helvetica" pitchFamily="2" charset="0"/>
+              </a:rPr>
               <a:t>annotation</a:t>
             </a:r>
             <a:r>
-              <a:rPr lang="de-DE" dirty="0"/>
-              <a:t> </a:t>
-            </a:r>
-            <a:r>
-              <a:rPr lang="de-DE" dirty="0" err="1"/>
+              <a:rPr lang="de-DE" dirty="0">
+                <a:latin typeface="Helvetica" pitchFamily="2" charset="0"/>
+              </a:rPr>
+              <a:t> </a:t>
+            </a:r>
+            <a:r>
+              <a:rPr lang="de-DE" dirty="0" err="1">
+                <a:latin typeface="Helvetica" pitchFamily="2" charset="0"/>
+              </a:rPr>
               <a:t>UI.selectionField</a:t>
             </a:r>
             <a:r>
-              <a:rPr lang="de-DE" dirty="0"/>
-              <a:t> </a:t>
-            </a:r>
-            <a:r>
-              <a:rPr lang="de-DE" dirty="0" err="1"/>
+              <a:rPr lang="de-DE" dirty="0">
+                <a:latin typeface="Helvetica" pitchFamily="2" charset="0"/>
+              </a:rPr>
+              <a:t> </a:t>
+            </a:r>
+            <a:r>
+              <a:rPr lang="de-DE" dirty="0" err="1">
+                <a:latin typeface="Helvetica" pitchFamily="2" charset="0"/>
+              </a:rPr>
               <a:t>can</a:t>
             </a:r>
             <a:r>
-              <a:rPr lang="de-DE" dirty="0"/>
-              <a:t> </a:t>
-            </a:r>
-            <a:r>
-              <a:rPr lang="de-DE" dirty="0" err="1"/>
+              <a:rPr lang="de-DE" dirty="0">
+                <a:latin typeface="Helvetica" pitchFamily="2" charset="0"/>
+              </a:rPr>
+              <a:t> </a:t>
+            </a:r>
+            <a:r>
+              <a:rPr lang="de-DE" dirty="0" err="1">
+                <a:latin typeface="Helvetica" pitchFamily="2" charset="0"/>
+              </a:rPr>
               <a:t>be</a:t>
             </a:r>
             <a:r>
-              <a:rPr lang="de-DE" dirty="0"/>
-              <a:t> </a:t>
-            </a:r>
-            <a:r>
-              <a:rPr lang="de-DE" dirty="0" err="1"/>
+              <a:rPr lang="de-DE" dirty="0">
+                <a:latin typeface="Helvetica" pitchFamily="2" charset="0"/>
+              </a:rPr>
+              <a:t> </a:t>
+            </a:r>
+            <a:r>
+              <a:rPr lang="de-DE" dirty="0" err="1">
+                <a:latin typeface="Helvetica" pitchFamily="2" charset="0"/>
+              </a:rPr>
               <a:t>used</a:t>
             </a:r>
             <a:r>
-              <a:rPr lang="de-DE" dirty="0"/>
-              <a:t> </a:t>
-            </a:r>
-            <a:r>
-              <a:rPr lang="de-DE" dirty="0" err="1"/>
+              <a:rPr lang="de-DE" dirty="0">
+                <a:latin typeface="Helvetica" pitchFamily="2" charset="0"/>
+              </a:rPr>
+              <a:t> </a:t>
+            </a:r>
+            <a:r>
+              <a:rPr lang="de-DE" dirty="0" err="1">
+                <a:latin typeface="Helvetica" pitchFamily="2" charset="0"/>
+              </a:rPr>
               <a:t>to</a:t>
             </a:r>
             <a:r>
-              <a:rPr lang="de-DE" dirty="0"/>
-              <a:t> </a:t>
-            </a:r>
-            <a:r>
-              <a:rPr lang="de-DE" dirty="0" err="1"/>
+              <a:rPr lang="de-DE" dirty="0">
+                <a:latin typeface="Helvetica" pitchFamily="2" charset="0"/>
+              </a:rPr>
+              <a:t> </a:t>
+            </a:r>
+            <a:r>
+              <a:rPr lang="de-DE" dirty="0" err="1">
+                <a:latin typeface="Helvetica" pitchFamily="2" charset="0"/>
+              </a:rPr>
               <a:t>activate</a:t>
             </a:r>
             <a:r>
-              <a:rPr lang="de-DE" dirty="0"/>
+              <a:rPr lang="de-DE" dirty="0">
+                <a:latin typeface="Helvetica" pitchFamily="2" charset="0"/>
+              </a:rPr>
               <a:t> a </a:t>
             </a:r>
             <a:r>
-              <a:rPr lang="de-DE" dirty="0" err="1"/>
+              <a:rPr lang="de-DE" dirty="0" err="1">
+                <a:latin typeface="Helvetica" pitchFamily="2" charset="0"/>
+              </a:rPr>
               <a:t>selection</a:t>
             </a:r>
             <a:r>
-              <a:rPr lang="de-DE" dirty="0"/>
-              <a:t> </a:t>
-            </a:r>
-            <a:r>
-              <a:rPr lang="de-DE" dirty="0" err="1"/>
+              <a:rPr lang="de-DE" dirty="0">
+                <a:latin typeface="Helvetica" pitchFamily="2" charset="0"/>
+              </a:rPr>
+              <a:t> </a:t>
+            </a:r>
+            <a:r>
+              <a:rPr lang="de-DE" dirty="0" err="1">
+                <a:latin typeface="Helvetica" pitchFamily="2" charset="0"/>
+              </a:rPr>
               <a:t>element</a:t>
             </a:r>
             <a:r>
-              <a:rPr lang="de-DE" dirty="0"/>
+              <a:rPr lang="de-DE" dirty="0">
+                <a:latin typeface="Helvetica" pitchFamily="2" charset="0"/>
+              </a:rPr>
               <a:t> in </a:t>
             </a:r>
             <a:r>
-              <a:rPr lang="de-DE" dirty="0" err="1"/>
+              <a:rPr lang="de-DE" dirty="0" err="1">
+                <a:latin typeface="Helvetica" pitchFamily="2" charset="0"/>
+              </a:rPr>
               <a:t>the</a:t>
             </a:r>
             <a:r>
-              <a:rPr lang="de-DE" dirty="0"/>
-              <a:t> </a:t>
-            </a:r>
-            <a:r>
-              <a:rPr lang="de-DE" dirty="0" err="1"/>
+              <a:rPr lang="de-DE" dirty="0">
+                <a:latin typeface="Helvetica" pitchFamily="2" charset="0"/>
+              </a:rPr>
+              <a:t> </a:t>
+            </a:r>
+            <a:r>
+              <a:rPr lang="de-DE" dirty="0" err="1">
+                <a:latin typeface="Helvetica" pitchFamily="2" charset="0"/>
+              </a:rPr>
               <a:t>filter</a:t>
             </a:r>
             <a:r>
-              <a:rPr lang="de-DE" dirty="0"/>
+              <a:rPr lang="de-DE" dirty="0">
+                <a:latin typeface="Helvetica" pitchFamily="2" charset="0"/>
+              </a:rPr>
               <a:t> bar. </a:t>
             </a:r>
             <a:r>
-              <a:rPr lang="de-DE" dirty="0" err="1"/>
+              <a:rPr lang="de-DE" dirty="0" err="1">
+                <a:latin typeface="Helvetica" pitchFamily="2" charset="0"/>
+              </a:rPr>
               <a:t>If</a:t>
             </a:r>
             <a:r>
-              <a:rPr lang="de-DE" dirty="0"/>
+              <a:rPr lang="de-DE" dirty="0">
+                <a:latin typeface="Helvetica" pitchFamily="2" charset="0"/>
+              </a:rPr>
               <a:t> a </a:t>
             </a:r>
             <a:r>
-              <a:rPr lang="de-DE" dirty="0" err="1"/>
+              <a:rPr lang="de-DE" dirty="0" err="1">
+                <a:latin typeface="Helvetica" pitchFamily="2" charset="0"/>
+              </a:rPr>
               <a:t>picklist</a:t>
             </a:r>
             <a:r>
-              <a:rPr lang="de-DE" dirty="0"/>
-              <a:t> </a:t>
-            </a:r>
-            <a:r>
-              <a:rPr lang="de-DE" dirty="0" err="1"/>
+              <a:rPr lang="de-DE" dirty="0">
+                <a:latin typeface="Helvetica" pitchFamily="2" charset="0"/>
+              </a:rPr>
+              <a:t> </a:t>
+            </a:r>
+            <a:r>
+              <a:rPr lang="de-DE" dirty="0" err="1">
+                <a:latin typeface="Helvetica" pitchFamily="2" charset="0"/>
+              </a:rPr>
               <a:t>is</a:t>
             </a:r>
             <a:r>
-              <a:rPr lang="de-DE" dirty="0"/>
-              <a:t> </a:t>
-            </a:r>
-            <a:r>
-              <a:rPr lang="de-DE" dirty="0" err="1"/>
+              <a:rPr lang="de-DE" dirty="0">
+                <a:latin typeface="Helvetica" pitchFamily="2" charset="0"/>
+              </a:rPr>
+              <a:t> </a:t>
+            </a:r>
+            <a:r>
+              <a:rPr lang="de-DE" dirty="0" err="1">
+                <a:latin typeface="Helvetica" pitchFamily="2" charset="0"/>
+              </a:rPr>
               <a:t>defined</a:t>
             </a:r>
             <a:r>
-              <a:rPr lang="de-DE" dirty="0"/>
-              <a:t> </a:t>
-            </a:r>
-            <a:r>
-              <a:rPr lang="de-DE" dirty="0" err="1"/>
+              <a:rPr lang="de-DE" dirty="0">
+                <a:latin typeface="Helvetica" pitchFamily="2" charset="0"/>
+              </a:rPr>
+              <a:t> </a:t>
+            </a:r>
+            <a:r>
+              <a:rPr lang="de-DE" dirty="0" err="1">
+                <a:latin typeface="Helvetica" pitchFamily="2" charset="0"/>
+              </a:rPr>
               <a:t>for</a:t>
             </a:r>
             <a:r>
-              <a:rPr lang="de-DE" dirty="0"/>
-              <a:t> </a:t>
-            </a:r>
-            <a:r>
-              <a:rPr lang="de-DE" dirty="0" err="1"/>
+              <a:rPr lang="de-DE" dirty="0">
+                <a:latin typeface="Helvetica" pitchFamily="2" charset="0"/>
+              </a:rPr>
+              <a:t> </a:t>
+            </a:r>
+            <a:r>
+              <a:rPr lang="de-DE" dirty="0" err="1">
+                <a:latin typeface="Helvetica" pitchFamily="2" charset="0"/>
+              </a:rPr>
               <a:t>the</a:t>
             </a:r>
             <a:r>
-              <a:rPr lang="de-DE" dirty="0"/>
-              <a:t> </a:t>
-            </a:r>
-            <a:r>
-              <a:rPr lang="de-DE" dirty="0" err="1"/>
+              <a:rPr lang="de-DE" dirty="0">
+                <a:latin typeface="Helvetica" pitchFamily="2" charset="0"/>
+              </a:rPr>
+              <a:t> </a:t>
+            </a:r>
+            <a:r>
+              <a:rPr lang="de-DE" dirty="0" err="1">
+                <a:latin typeface="Helvetica" pitchFamily="2" charset="0"/>
+              </a:rPr>
               <a:t>specified</a:t>
             </a:r>
             <a:r>
-              <a:rPr lang="de-DE" dirty="0"/>
-              <a:t> </a:t>
-            </a:r>
-            <a:r>
-              <a:rPr lang="de-DE" dirty="0" err="1"/>
+              <a:rPr lang="de-DE" dirty="0">
+                <a:latin typeface="Helvetica" pitchFamily="2" charset="0"/>
+              </a:rPr>
+              <a:t> </a:t>
+            </a:r>
+            <a:r>
+              <a:rPr lang="de-DE" dirty="0" err="1">
+                <a:latin typeface="Helvetica" pitchFamily="2" charset="0"/>
+              </a:rPr>
               <a:t>element</a:t>
             </a:r>
             <a:r>
-              <a:rPr lang="de-DE" dirty="0"/>
+              <a:rPr lang="de-DE" dirty="0">
+                <a:latin typeface="Helvetica" pitchFamily="2" charset="0"/>
+              </a:rPr>
               <a:t>, </a:t>
             </a:r>
             <a:r>
-              <a:rPr lang="de-DE" dirty="0" err="1"/>
+              <a:rPr lang="de-DE" dirty="0" err="1">
+                <a:latin typeface="Helvetica" pitchFamily="2" charset="0"/>
+              </a:rPr>
               <a:t>it</a:t>
             </a:r>
             <a:r>
-              <a:rPr lang="de-DE" dirty="0"/>
-              <a:t> </a:t>
-            </a:r>
-            <a:r>
-              <a:rPr lang="de-DE" dirty="0" err="1"/>
+              <a:rPr lang="de-DE" dirty="0">
+                <a:latin typeface="Helvetica" pitchFamily="2" charset="0"/>
+              </a:rPr>
+              <a:t> </a:t>
+            </a:r>
+            <a:r>
+              <a:rPr lang="de-DE" dirty="0" err="1">
+                <a:latin typeface="Helvetica" pitchFamily="2" charset="0"/>
+              </a:rPr>
               <a:t>is</a:t>
             </a:r>
             <a:r>
-              <a:rPr lang="de-DE" dirty="0"/>
-              <a:t> </a:t>
-            </a:r>
-            <a:r>
-              <a:rPr lang="de-DE" dirty="0" err="1"/>
+              <a:rPr lang="de-DE" dirty="0">
+                <a:latin typeface="Helvetica" pitchFamily="2" charset="0"/>
+              </a:rPr>
+              <a:t> </a:t>
+            </a:r>
+            <a:r>
+              <a:rPr lang="de-DE" dirty="0" err="1">
+                <a:latin typeface="Helvetica" pitchFamily="2" charset="0"/>
+              </a:rPr>
               <a:t>automatically</a:t>
             </a:r>
             <a:r>
-              <a:rPr lang="de-DE" dirty="0"/>
-              <a:t> </a:t>
-            </a:r>
-            <a:r>
-              <a:rPr lang="de-DE" dirty="0" err="1"/>
+              <a:rPr lang="de-DE" dirty="0">
+                <a:latin typeface="Helvetica" pitchFamily="2" charset="0"/>
+              </a:rPr>
+              <a:t> </a:t>
+            </a:r>
+            <a:r>
+              <a:rPr lang="de-DE" dirty="0" err="1">
+                <a:latin typeface="Helvetica" pitchFamily="2" charset="0"/>
+              </a:rPr>
               <a:t>displayed</a:t>
             </a:r>
             <a:r>
-              <a:rPr lang="de-DE" dirty="0"/>
+              <a:rPr lang="de-DE" dirty="0">
+                <a:latin typeface="Helvetica" pitchFamily="2" charset="0"/>
+              </a:rPr>
               <a:t> on </a:t>
             </a:r>
             <a:r>
-              <a:rPr lang="de-DE" dirty="0" err="1"/>
+              <a:rPr lang="de-DE" dirty="0" err="1">
+                <a:latin typeface="Helvetica" pitchFamily="2" charset="0"/>
+              </a:rPr>
               <a:t>the</a:t>
             </a:r>
             <a:r>
-              <a:rPr lang="de-DE" dirty="0"/>
-              <a:t> </a:t>
-            </a:r>
-            <a:r>
-              <a:rPr lang="de-DE" dirty="0" err="1"/>
+              <a:rPr lang="de-DE" dirty="0">
+                <a:latin typeface="Helvetica" pitchFamily="2" charset="0"/>
+              </a:rPr>
+              <a:t> </a:t>
+            </a:r>
+            <a:r>
+              <a:rPr lang="de-DE" dirty="0" err="1">
+                <a:latin typeface="Helvetica" pitchFamily="2" charset="0"/>
+              </a:rPr>
               <a:t>user</a:t>
             </a:r>
             <a:r>
-              <a:rPr lang="de-DE" dirty="0"/>
+              <a:rPr lang="de-DE" dirty="0">
+                <a:latin typeface="Helvetica" pitchFamily="2" charset="0"/>
+              </a:rPr>
               <a:t> interface.  </a:t>
             </a:r>
           </a:p>
           <a:p>
             <a:r>
-              <a:rPr lang="de-DE" b="1" dirty="0" err="1"/>
+              <a:rPr lang="de-DE" b="1" dirty="0" err="1">
+                <a:latin typeface="Helvetica" pitchFamily="2" charset="0"/>
+              </a:rPr>
               <a:t>UI.identificationThe</a:t>
             </a:r>
             <a:r>
-              <a:rPr lang="de-DE" b="1" dirty="0"/>
-              <a:t> </a:t>
-            </a:r>
-            <a:r>
-              <a:rPr lang="de-DE" b="1" dirty="0" err="1"/>
+              <a:rPr lang="de-DE" b="1" dirty="0">
+                <a:latin typeface="Helvetica" pitchFamily="2" charset="0"/>
+              </a:rPr>
+              <a:t> </a:t>
+            </a:r>
+            <a:r>
+              <a:rPr lang="de-DE" b="1" dirty="0" err="1">
+                <a:latin typeface="Helvetica" pitchFamily="2" charset="0"/>
+              </a:rPr>
               <a:t>annotation</a:t>
             </a:r>
             <a:r>
-              <a:rPr lang="de-DE" b="1" dirty="0"/>
+              <a:rPr lang="de-DE" b="1" dirty="0">
+                <a:latin typeface="Helvetica" pitchFamily="2" charset="0"/>
+              </a:rPr>
               <a:t> </a:t>
             </a:r>
             <a:br>
-              <a:rPr lang="de-DE" dirty="0"/>
+              <a:rPr lang="de-DE" dirty="0">
+                <a:latin typeface="Helvetica" pitchFamily="2" charset="0"/>
+              </a:rPr>
             </a:br>
             <a:r>
-              <a:rPr lang="de-DE" dirty="0" err="1"/>
+              <a:rPr lang="de-DE" dirty="0" err="1">
+                <a:latin typeface="Helvetica" pitchFamily="2" charset="0"/>
+              </a:rPr>
               <a:t>UI.identification</a:t>
             </a:r>
             <a:r>
-              <a:rPr lang="de-DE" dirty="0"/>
-              <a:t> </a:t>
-            </a:r>
-            <a:r>
-              <a:rPr lang="de-DE" dirty="0" err="1"/>
+              <a:rPr lang="de-DE" dirty="0">
+                <a:latin typeface="Helvetica" pitchFamily="2" charset="0"/>
+              </a:rPr>
+              <a:t> </a:t>
+            </a:r>
+            <a:r>
+              <a:rPr lang="de-DE" dirty="0" err="1">
+                <a:latin typeface="Helvetica" pitchFamily="2" charset="0"/>
+              </a:rPr>
               <a:t>is</a:t>
             </a:r>
             <a:r>
-              <a:rPr lang="de-DE" dirty="0"/>
-              <a:t> </a:t>
-            </a:r>
-            <a:r>
-              <a:rPr lang="de-DE" dirty="0" err="1"/>
+              <a:rPr lang="de-DE" dirty="0">
+                <a:latin typeface="Helvetica" pitchFamily="2" charset="0"/>
+              </a:rPr>
+              <a:t> </a:t>
+            </a:r>
+            <a:r>
+              <a:rPr lang="de-DE" dirty="0" err="1">
+                <a:latin typeface="Helvetica" pitchFamily="2" charset="0"/>
+              </a:rPr>
               <a:t>used</a:t>
             </a:r>
             <a:r>
-              <a:rPr lang="de-DE" dirty="0"/>
+              <a:rPr lang="de-DE" dirty="0">
+                <a:latin typeface="Helvetica" pitchFamily="2" charset="0"/>
+              </a:rPr>
               <a:t> (in </a:t>
             </a:r>
             <a:r>
-              <a:rPr lang="de-DE" dirty="0" err="1"/>
+              <a:rPr lang="de-DE" dirty="0" err="1">
+                <a:latin typeface="Helvetica" pitchFamily="2" charset="0"/>
+              </a:rPr>
               <a:t>conjunction</a:t>
             </a:r>
             <a:r>
-              <a:rPr lang="de-DE" dirty="0"/>
-              <a:t> </a:t>
-            </a:r>
-            <a:r>
-              <a:rPr lang="de-DE" dirty="0" err="1"/>
+              <a:rPr lang="de-DE" dirty="0">
+                <a:latin typeface="Helvetica" pitchFamily="2" charset="0"/>
+              </a:rPr>
+              <a:t> </a:t>
+            </a:r>
+            <a:r>
+              <a:rPr lang="de-DE" dirty="0" err="1">
+                <a:latin typeface="Helvetica" pitchFamily="2" charset="0"/>
+              </a:rPr>
               <a:t>with</a:t>
             </a:r>
             <a:r>
-              <a:rPr lang="de-DE" dirty="0"/>
-              <a:t> </a:t>
-            </a:r>
-            <a:r>
-              <a:rPr lang="de-DE" dirty="0" err="1"/>
+              <a:rPr lang="de-DE" dirty="0">
+                <a:latin typeface="Helvetica" pitchFamily="2" charset="0"/>
+              </a:rPr>
+              <a:t> </a:t>
+            </a:r>
+            <a:r>
+              <a:rPr lang="de-DE" dirty="0" err="1">
+                <a:latin typeface="Helvetica" pitchFamily="2" charset="0"/>
+              </a:rPr>
               <a:t>the</a:t>
             </a:r>
             <a:r>
-              <a:rPr lang="de-DE" dirty="0"/>
-              <a:t> </a:t>
-            </a:r>
-            <a:r>
-              <a:rPr lang="de-DE" dirty="0" err="1"/>
+              <a:rPr lang="de-DE" dirty="0">
+                <a:latin typeface="Helvetica" pitchFamily="2" charset="0"/>
+              </a:rPr>
+              <a:t> </a:t>
+            </a:r>
+            <a:r>
+              <a:rPr lang="de-DE" dirty="0" err="1">
+                <a:latin typeface="Helvetica" pitchFamily="2" charset="0"/>
+              </a:rPr>
               <a:t>annotation</a:t>
             </a:r>
             <a:r>
-              <a:rPr lang="de-DE" dirty="0"/>
-              <a:t> </a:t>
-            </a:r>
-            <a:r>
-              <a:rPr lang="de-DE" dirty="0" err="1"/>
+              <a:rPr lang="de-DE" dirty="0">
+                <a:latin typeface="Helvetica" pitchFamily="2" charset="0"/>
+              </a:rPr>
+              <a:t> </a:t>
+            </a:r>
+            <a:r>
+              <a:rPr lang="de-DE" dirty="0" err="1">
+                <a:latin typeface="Helvetica" pitchFamily="2" charset="0"/>
+              </a:rPr>
               <a:t>UI.headerInfo</a:t>
             </a:r>
             <a:r>
-              <a:rPr lang="de-DE" dirty="0"/>
+              <a:rPr lang="de-DE" dirty="0">
+                <a:latin typeface="Helvetica" pitchFamily="2" charset="0"/>
+              </a:rPr>
               <a:t>) </a:t>
             </a:r>
             <a:r>
-              <a:rPr lang="de-DE" dirty="0" err="1"/>
+              <a:rPr lang="de-DE" dirty="0" err="1">
+                <a:latin typeface="Helvetica" pitchFamily="2" charset="0"/>
+              </a:rPr>
               <a:t>to</a:t>
             </a:r>
             <a:r>
-              <a:rPr lang="de-DE" dirty="0"/>
-              <a:t> </a:t>
-            </a:r>
-            <a:r>
-              <a:rPr lang="de-DE" dirty="0" err="1"/>
+              <a:rPr lang="de-DE" dirty="0">
+                <a:latin typeface="Helvetica" pitchFamily="2" charset="0"/>
+              </a:rPr>
+              <a:t> </a:t>
+            </a:r>
+            <a:r>
+              <a:rPr lang="de-DE" dirty="0" err="1">
+                <a:latin typeface="Helvetica" pitchFamily="2" charset="0"/>
+              </a:rPr>
               <a:t>define</a:t>
             </a:r>
             <a:r>
-              <a:rPr lang="de-DE" dirty="0"/>
-              <a:t> </a:t>
-            </a:r>
-            <a:r>
-              <a:rPr lang="de-DE" dirty="0" err="1"/>
+              <a:rPr lang="de-DE" dirty="0">
+                <a:latin typeface="Helvetica" pitchFamily="2" charset="0"/>
+              </a:rPr>
+              <a:t> </a:t>
+            </a:r>
+            <a:r>
+              <a:rPr lang="de-DE" dirty="0" err="1">
+                <a:latin typeface="Helvetica" pitchFamily="2" charset="0"/>
+              </a:rPr>
               <a:t>which</a:t>
             </a:r>
             <a:r>
-              <a:rPr lang="de-DE" dirty="0"/>
-              <a:t> </a:t>
-            </a:r>
-            <a:r>
-              <a:rPr lang="de-DE" dirty="0" err="1"/>
+              <a:rPr lang="de-DE" dirty="0">
+                <a:latin typeface="Helvetica" pitchFamily="2" charset="0"/>
+              </a:rPr>
+              <a:t> </a:t>
+            </a:r>
+            <a:r>
+              <a:rPr lang="de-DE" dirty="0" err="1">
+                <a:latin typeface="Helvetica" pitchFamily="2" charset="0"/>
+              </a:rPr>
               <a:t>data</a:t>
             </a:r>
             <a:r>
-              <a:rPr lang="de-DE" dirty="0"/>
-              <a:t> </a:t>
-            </a:r>
-            <a:r>
-              <a:rPr lang="de-DE" dirty="0" err="1"/>
+              <a:rPr lang="de-DE" dirty="0">
+                <a:latin typeface="Helvetica" pitchFamily="2" charset="0"/>
+              </a:rPr>
+              <a:t> </a:t>
+            </a:r>
+            <a:r>
+              <a:rPr lang="de-DE" dirty="0" err="1">
+                <a:latin typeface="Helvetica" pitchFamily="2" charset="0"/>
+              </a:rPr>
               <a:t>is</a:t>
             </a:r>
             <a:r>
-              <a:rPr lang="de-DE" dirty="0"/>
-              <a:t> </a:t>
-            </a:r>
-            <a:r>
-              <a:rPr lang="de-DE" dirty="0" err="1"/>
+              <a:rPr lang="de-DE" dirty="0">
+                <a:latin typeface="Helvetica" pitchFamily="2" charset="0"/>
+              </a:rPr>
+              <a:t> </a:t>
+            </a:r>
+            <a:r>
+              <a:rPr lang="de-DE" dirty="0" err="1">
+                <a:latin typeface="Helvetica" pitchFamily="2" charset="0"/>
+              </a:rPr>
               <a:t>displayed</a:t>
             </a:r>
             <a:r>
-              <a:rPr lang="de-DE" dirty="0"/>
+              <a:rPr lang="de-DE" dirty="0">
+                <a:latin typeface="Helvetica" pitchFamily="2" charset="0"/>
+              </a:rPr>
               <a:t> in </a:t>
             </a:r>
             <a:r>
-              <a:rPr lang="de-DE" dirty="0" err="1"/>
+              <a:rPr lang="de-DE" dirty="0" err="1">
+                <a:latin typeface="Helvetica" pitchFamily="2" charset="0"/>
+              </a:rPr>
               <a:t>the</a:t>
             </a:r>
             <a:r>
-              <a:rPr lang="de-DE" dirty="0"/>
-              <a:t> </a:t>
-            </a:r>
-            <a:r>
-              <a:rPr lang="de-DE" dirty="0" err="1"/>
+              <a:rPr lang="de-DE" dirty="0">
+                <a:latin typeface="Helvetica" pitchFamily="2" charset="0"/>
+              </a:rPr>
+              <a:t> </a:t>
+            </a:r>
+            <a:r>
+              <a:rPr lang="de-DE" dirty="0" err="1">
+                <a:latin typeface="Helvetica" pitchFamily="2" charset="0"/>
+              </a:rPr>
               <a:t>content</a:t>
             </a:r>
             <a:r>
-              <a:rPr lang="de-DE" dirty="0"/>
-              <a:t> </a:t>
-            </a:r>
-            <a:r>
-              <a:rPr lang="de-DE" dirty="0" err="1"/>
+              <a:rPr lang="de-DE" dirty="0">
+                <a:latin typeface="Helvetica" pitchFamily="2" charset="0"/>
+              </a:rPr>
+              <a:t> </a:t>
+            </a:r>
+            <a:r>
+              <a:rPr lang="de-DE" dirty="0" err="1">
+                <a:latin typeface="Helvetica" pitchFamily="2" charset="0"/>
+              </a:rPr>
               <a:t>area</a:t>
             </a:r>
             <a:r>
-              <a:rPr lang="de-DE" dirty="0"/>
-              <a:t> </a:t>
-            </a:r>
-            <a:r>
-              <a:rPr lang="de-DE" dirty="0" err="1"/>
+              <a:rPr lang="de-DE" dirty="0">
+                <a:latin typeface="Helvetica" pitchFamily="2" charset="0"/>
+              </a:rPr>
+              <a:t> </a:t>
+            </a:r>
+            <a:r>
+              <a:rPr lang="de-DE" dirty="0" err="1">
+                <a:latin typeface="Helvetica" pitchFamily="2" charset="0"/>
+              </a:rPr>
               <a:t>object</a:t>
             </a:r>
             <a:r>
-              <a:rPr lang="de-DE" dirty="0"/>
-              <a:t> </a:t>
-            </a:r>
-            <a:r>
-              <a:rPr lang="de-DE" dirty="0" err="1"/>
+              <a:rPr lang="de-DE" dirty="0">
+                <a:latin typeface="Helvetica" pitchFamily="2" charset="0"/>
+              </a:rPr>
+              <a:t> </a:t>
+            </a:r>
+            <a:r>
+              <a:rPr lang="de-DE" dirty="0" err="1">
+                <a:latin typeface="Helvetica" pitchFamily="2" charset="0"/>
+              </a:rPr>
               <a:t>page</a:t>
             </a:r>
             <a:r>
-              <a:rPr lang="de-DE" dirty="0"/>
+              <a:rPr lang="de-DE" dirty="0">
+                <a:latin typeface="Helvetica" pitchFamily="2" charset="0"/>
+              </a:rPr>
               <a:t>.  </a:t>
             </a:r>
           </a:p>
           <a:p>
             <a:r>
-              <a:rPr lang="de-DE" b="1" dirty="0" err="1"/>
+              <a:rPr lang="de-DE" b="1" dirty="0" err="1">
+                <a:latin typeface="Helvetica" pitchFamily="2" charset="0"/>
+              </a:rPr>
               <a:t>UI.facetUse</a:t>
             </a:r>
             <a:r>
-              <a:rPr lang="de-DE" b="1" dirty="0"/>
-              <a:t> </a:t>
-            </a:r>
-            <a:r>
-              <a:rPr lang="de-DE" b="1" dirty="0" err="1"/>
+              <a:rPr lang="de-DE" b="1" dirty="0">
+                <a:latin typeface="Helvetica" pitchFamily="2" charset="0"/>
+              </a:rPr>
+              <a:t> </a:t>
+            </a:r>
+            <a:r>
+              <a:rPr lang="de-DE" b="1" dirty="0" err="1">
+                <a:latin typeface="Helvetica" pitchFamily="2" charset="0"/>
+              </a:rPr>
               <a:t>the</a:t>
             </a:r>
             <a:r>
-              <a:rPr lang="de-DE" b="1" dirty="0"/>
-              <a:t> </a:t>
-            </a:r>
-            <a:r>
-              <a:rPr lang="de-DE" b="1" dirty="0" err="1"/>
+              <a:rPr lang="de-DE" b="1" dirty="0">
+                <a:latin typeface="Helvetica" pitchFamily="2" charset="0"/>
+              </a:rPr>
+              <a:t> </a:t>
+            </a:r>
+            <a:r>
+              <a:rPr lang="de-DE" b="1" dirty="0" err="1">
+                <a:latin typeface="Helvetica" pitchFamily="2" charset="0"/>
+              </a:rPr>
               <a:t>annotation</a:t>
             </a:r>
             <a:r>
-              <a:rPr lang="de-DE" b="1" dirty="0"/>
+              <a:rPr lang="de-DE" b="1" dirty="0">
+                <a:latin typeface="Helvetica" pitchFamily="2" charset="0"/>
+              </a:rPr>
               <a:t> </a:t>
             </a:r>
             <a:br>
-              <a:rPr lang="de-DE" dirty="0"/>
+              <a:rPr lang="de-DE" dirty="0">
+                <a:latin typeface="Helvetica" pitchFamily="2" charset="0"/>
+              </a:rPr>
             </a:br>
             <a:r>
-              <a:rPr lang="de-DE" dirty="0" err="1"/>
+              <a:rPr lang="de-DE" dirty="0" err="1">
+                <a:latin typeface="Helvetica" pitchFamily="2" charset="0"/>
+              </a:rPr>
               <a:t>UI.facet</a:t>
             </a:r>
             <a:r>
-              <a:rPr lang="de-DE" dirty="0"/>
-              <a:t> </a:t>
-            </a:r>
-            <a:r>
-              <a:rPr lang="de-DE" dirty="0" err="1"/>
+              <a:rPr lang="de-DE" dirty="0">
+                <a:latin typeface="Helvetica" pitchFamily="2" charset="0"/>
+              </a:rPr>
+              <a:t> </a:t>
+            </a:r>
+            <a:r>
+              <a:rPr lang="de-DE" dirty="0" err="1">
+                <a:latin typeface="Helvetica" pitchFamily="2" charset="0"/>
+              </a:rPr>
               <a:t>to</a:t>
             </a:r>
             <a:r>
-              <a:rPr lang="de-DE" dirty="0"/>
-              <a:t> </a:t>
-            </a:r>
-            <a:r>
-              <a:rPr lang="de-DE" dirty="0" err="1"/>
+              <a:rPr lang="de-DE" dirty="0">
+                <a:latin typeface="Helvetica" pitchFamily="2" charset="0"/>
+              </a:rPr>
+              <a:t> </a:t>
+            </a:r>
+            <a:r>
+              <a:rPr lang="de-DE" dirty="0" err="1">
+                <a:latin typeface="Helvetica" pitchFamily="2" charset="0"/>
+              </a:rPr>
               <a:t>define</a:t>
             </a:r>
             <a:r>
-              <a:rPr lang="de-DE" dirty="0"/>
+              <a:rPr lang="de-DE" dirty="0">
+                <a:latin typeface="Helvetica" pitchFamily="2" charset="0"/>
+              </a:rPr>
               <a:t> a </a:t>
             </a:r>
             <a:r>
-              <a:rPr lang="de-DE" dirty="0" err="1"/>
+              <a:rPr lang="de-DE" dirty="0" err="1">
+                <a:latin typeface="Helvetica" pitchFamily="2" charset="0"/>
+              </a:rPr>
               <a:t>section</a:t>
             </a:r>
             <a:r>
-              <a:rPr lang="de-DE" dirty="0"/>
+              <a:rPr lang="de-DE" dirty="0">
+                <a:latin typeface="Helvetica" pitchFamily="2" charset="0"/>
+              </a:rPr>
               <a:t> on </a:t>
             </a:r>
             <a:r>
-              <a:rPr lang="de-DE" dirty="0" err="1"/>
+              <a:rPr lang="de-DE" dirty="0" err="1">
+                <a:latin typeface="Helvetica" pitchFamily="2" charset="0"/>
+              </a:rPr>
               <a:t>the</a:t>
             </a:r>
             <a:r>
-              <a:rPr lang="de-DE" dirty="0"/>
-              <a:t> </a:t>
-            </a:r>
-            <a:r>
-              <a:rPr lang="de-DE" dirty="0" err="1"/>
+              <a:rPr lang="de-DE" dirty="0">
+                <a:latin typeface="Helvetica" pitchFamily="2" charset="0"/>
+              </a:rPr>
+              <a:t> </a:t>
+            </a:r>
+            <a:r>
+              <a:rPr lang="de-DE" dirty="0" err="1">
+                <a:latin typeface="Helvetica" pitchFamily="2" charset="0"/>
+              </a:rPr>
               <a:t>ObjectPage</a:t>
             </a:r>
             <a:r>
-              <a:rPr lang="de-DE" dirty="0"/>
+              <a:rPr lang="de-DE" dirty="0">
+                <a:latin typeface="Helvetica" pitchFamily="2" charset="0"/>
+              </a:rPr>
               <a:t>. </a:t>
             </a:r>
             <a:r>
-              <a:rPr lang="de-DE" dirty="0" err="1"/>
+              <a:rPr lang="de-DE" dirty="0" err="1">
+                <a:latin typeface="Helvetica" pitchFamily="2" charset="0"/>
+              </a:rPr>
               <a:t>You</a:t>
             </a:r>
             <a:r>
-              <a:rPr lang="de-DE" dirty="0"/>
-              <a:t> </a:t>
-            </a:r>
-            <a:r>
-              <a:rPr lang="de-DE" dirty="0" err="1"/>
+              <a:rPr lang="de-DE" dirty="0">
+                <a:latin typeface="Helvetica" pitchFamily="2" charset="0"/>
+              </a:rPr>
+              <a:t> </a:t>
+            </a:r>
+            <a:r>
+              <a:rPr lang="de-DE" dirty="0" err="1">
+                <a:latin typeface="Helvetica" pitchFamily="2" charset="0"/>
+              </a:rPr>
               <a:t>can</a:t>
             </a:r>
             <a:r>
-              <a:rPr lang="de-DE" dirty="0"/>
-              <a:t> </a:t>
-            </a:r>
-            <a:r>
-              <a:rPr lang="de-DE" dirty="0" err="1"/>
+              <a:rPr lang="de-DE" dirty="0">
+                <a:latin typeface="Helvetica" pitchFamily="2" charset="0"/>
+              </a:rPr>
+              <a:t> </a:t>
+            </a:r>
+            <a:r>
+              <a:rPr lang="de-DE" dirty="0" err="1">
+                <a:latin typeface="Helvetica" pitchFamily="2" charset="0"/>
+              </a:rPr>
               <a:t>use</a:t>
             </a:r>
             <a:r>
-              <a:rPr lang="de-DE" dirty="0"/>
-              <a:t> </a:t>
-            </a:r>
-            <a:r>
-              <a:rPr lang="de-DE" dirty="0" err="1"/>
+              <a:rPr lang="de-DE" dirty="0">
+                <a:latin typeface="Helvetica" pitchFamily="2" charset="0"/>
+              </a:rPr>
+              <a:t> </a:t>
+            </a:r>
+            <a:r>
+              <a:rPr lang="de-DE" dirty="0" err="1">
+                <a:latin typeface="Helvetica" pitchFamily="2" charset="0"/>
+              </a:rPr>
               <a:t>the</a:t>
             </a:r>
             <a:r>
-              <a:rPr lang="de-DE" dirty="0"/>
-              <a:t> </a:t>
-            </a:r>
-            <a:r>
-              <a:rPr lang="de-DE" dirty="0" err="1"/>
+              <a:rPr lang="de-DE" dirty="0">
+                <a:latin typeface="Helvetica" pitchFamily="2" charset="0"/>
+              </a:rPr>
+              <a:t> </a:t>
+            </a:r>
+            <a:r>
+              <a:rPr lang="de-DE" dirty="0" err="1">
+                <a:latin typeface="Helvetica" pitchFamily="2" charset="0"/>
+              </a:rPr>
               <a:t>parentId</a:t>
             </a:r>
             <a:r>
-              <a:rPr lang="de-DE" dirty="0"/>
-              <a:t> </a:t>
-            </a:r>
-            <a:r>
-              <a:rPr lang="de-DE" dirty="0" err="1"/>
+              <a:rPr lang="de-DE" dirty="0">
+                <a:latin typeface="Helvetica" pitchFamily="2" charset="0"/>
+              </a:rPr>
+              <a:t> </a:t>
+            </a:r>
+            <a:r>
+              <a:rPr lang="de-DE" dirty="0" err="1">
+                <a:latin typeface="Helvetica" pitchFamily="2" charset="0"/>
+              </a:rPr>
               <a:t>parameter</a:t>
             </a:r>
             <a:r>
-              <a:rPr lang="de-DE" dirty="0"/>
-              <a:t> </a:t>
-            </a:r>
-            <a:r>
-              <a:rPr lang="de-DE" dirty="0" err="1"/>
+              <a:rPr lang="de-DE" dirty="0">
+                <a:latin typeface="Helvetica" pitchFamily="2" charset="0"/>
+              </a:rPr>
+              <a:t> </a:t>
+            </a:r>
+            <a:r>
+              <a:rPr lang="de-DE" dirty="0" err="1">
+                <a:latin typeface="Helvetica" pitchFamily="2" charset="0"/>
+              </a:rPr>
               <a:t>to</a:t>
             </a:r>
             <a:r>
-              <a:rPr lang="de-DE" dirty="0"/>
-              <a:t> </a:t>
-            </a:r>
-            <a:r>
-              <a:rPr lang="de-DE" dirty="0" err="1"/>
+              <a:rPr lang="de-DE" dirty="0">
+                <a:latin typeface="Helvetica" pitchFamily="2" charset="0"/>
+              </a:rPr>
+              <a:t> </a:t>
+            </a:r>
+            <a:r>
+              <a:rPr lang="de-DE" dirty="0" err="1">
+                <a:latin typeface="Helvetica" pitchFamily="2" charset="0"/>
+              </a:rPr>
               <a:t>assign</a:t>
             </a:r>
             <a:r>
-              <a:rPr lang="de-DE" dirty="0"/>
-              <a:t> </a:t>
-            </a:r>
-            <a:r>
-              <a:rPr lang="de-DE" dirty="0" err="1"/>
+              <a:rPr lang="de-DE" dirty="0">
+                <a:latin typeface="Helvetica" pitchFamily="2" charset="0"/>
+              </a:rPr>
+              <a:t> </a:t>
+            </a:r>
+            <a:r>
+              <a:rPr lang="de-DE" dirty="0" err="1">
+                <a:latin typeface="Helvetica" pitchFamily="2" charset="0"/>
+              </a:rPr>
               <a:t>sections</a:t>
             </a:r>
             <a:r>
-              <a:rPr lang="de-DE" dirty="0"/>
-              <a:t> </a:t>
-            </a:r>
-            <a:r>
-              <a:rPr lang="de-DE" dirty="0" err="1"/>
+              <a:rPr lang="de-DE" dirty="0">
+                <a:latin typeface="Helvetica" pitchFamily="2" charset="0"/>
+              </a:rPr>
+              <a:t> </a:t>
+            </a:r>
+            <a:r>
+              <a:rPr lang="de-DE" dirty="0" err="1">
+                <a:latin typeface="Helvetica" pitchFamily="2" charset="0"/>
+              </a:rPr>
               <a:t>to</a:t>
             </a:r>
             <a:r>
-              <a:rPr lang="de-DE" dirty="0"/>
+              <a:rPr lang="de-DE" dirty="0">
+                <a:latin typeface="Helvetica" pitchFamily="2" charset="0"/>
+              </a:rPr>
               <a:t> a </a:t>
             </a:r>
             <a:r>
-              <a:rPr lang="de-DE" dirty="0" err="1"/>
+              <a:rPr lang="de-DE" dirty="0" err="1">
+                <a:latin typeface="Helvetica" pitchFamily="2" charset="0"/>
+              </a:rPr>
               <a:t>parent</a:t>
             </a:r>
             <a:r>
-              <a:rPr lang="de-DE" dirty="0"/>
-              <a:t> </a:t>
-            </a:r>
-            <a:r>
-              <a:rPr lang="de-DE" dirty="0" err="1"/>
+              <a:rPr lang="de-DE" dirty="0">
+                <a:latin typeface="Helvetica" pitchFamily="2" charset="0"/>
+              </a:rPr>
+              <a:t> </a:t>
+            </a:r>
+            <a:r>
+              <a:rPr lang="de-DE" dirty="0" err="1">
+                <a:latin typeface="Helvetica" pitchFamily="2" charset="0"/>
+              </a:rPr>
               <a:t>section</a:t>
             </a:r>
             <a:r>
-              <a:rPr lang="de-DE" dirty="0"/>
+              <a:rPr lang="de-DE" dirty="0">
+                <a:latin typeface="Helvetica" pitchFamily="2" charset="0"/>
+              </a:rPr>
               <a:t>. The </a:t>
             </a:r>
             <a:r>
-              <a:rPr lang="de-DE" dirty="0" err="1"/>
+              <a:rPr lang="de-DE" dirty="0" err="1">
+                <a:latin typeface="Helvetica" pitchFamily="2" charset="0"/>
+              </a:rPr>
               <a:t>parent</a:t>
             </a:r>
             <a:r>
-              <a:rPr lang="de-DE" dirty="0"/>
-              <a:t> </a:t>
-            </a:r>
-            <a:r>
-              <a:rPr lang="de-DE" dirty="0" err="1"/>
+              <a:rPr lang="de-DE" dirty="0">
+                <a:latin typeface="Helvetica" pitchFamily="2" charset="0"/>
+              </a:rPr>
+              <a:t> </a:t>
+            </a:r>
+            <a:r>
+              <a:rPr lang="de-DE" dirty="0" err="1">
+                <a:latin typeface="Helvetica" pitchFamily="2" charset="0"/>
+              </a:rPr>
               <a:t>section</a:t>
             </a:r>
             <a:r>
-              <a:rPr lang="de-DE" dirty="0"/>
-              <a:t> </a:t>
-            </a:r>
-            <a:r>
-              <a:rPr lang="de-DE" dirty="0" err="1"/>
+              <a:rPr lang="de-DE" dirty="0">
+                <a:latin typeface="Helvetica" pitchFamily="2" charset="0"/>
+              </a:rPr>
+              <a:t> </a:t>
+            </a:r>
+            <a:r>
+              <a:rPr lang="de-DE" dirty="0" err="1">
+                <a:latin typeface="Helvetica" pitchFamily="2" charset="0"/>
+              </a:rPr>
               <a:t>must</a:t>
             </a:r>
             <a:r>
-              <a:rPr lang="de-DE" dirty="0"/>
-              <a:t> </a:t>
-            </a:r>
-            <a:r>
-              <a:rPr lang="de-DE" dirty="0" err="1"/>
+              <a:rPr lang="de-DE" dirty="0">
+                <a:latin typeface="Helvetica" pitchFamily="2" charset="0"/>
+              </a:rPr>
+              <a:t> </a:t>
+            </a:r>
+            <a:r>
+              <a:rPr lang="de-DE" dirty="0" err="1">
+                <a:latin typeface="Helvetica" pitchFamily="2" charset="0"/>
+              </a:rPr>
               <a:t>then</a:t>
             </a:r>
             <a:r>
-              <a:rPr lang="de-DE" dirty="0"/>
-              <a:t> </a:t>
-            </a:r>
-            <a:r>
-              <a:rPr lang="de-DE" dirty="0" err="1"/>
+              <a:rPr lang="de-DE" dirty="0">
+                <a:latin typeface="Helvetica" pitchFamily="2" charset="0"/>
+              </a:rPr>
+              <a:t> </a:t>
+            </a:r>
+            <a:r>
+              <a:rPr lang="de-DE" dirty="0" err="1">
+                <a:latin typeface="Helvetica" pitchFamily="2" charset="0"/>
+              </a:rPr>
               <a:t>be</a:t>
             </a:r>
             <a:r>
-              <a:rPr lang="de-DE" dirty="0"/>
-              <a:t> </a:t>
-            </a:r>
-            <a:r>
-              <a:rPr lang="de-DE" dirty="0" err="1"/>
+              <a:rPr lang="de-DE" dirty="0">
+                <a:latin typeface="Helvetica" pitchFamily="2" charset="0"/>
+              </a:rPr>
+              <a:t> </a:t>
+            </a:r>
+            <a:r>
+              <a:rPr lang="de-DE" dirty="0" err="1">
+                <a:latin typeface="Helvetica" pitchFamily="2" charset="0"/>
+              </a:rPr>
               <a:t>of</a:t>
             </a:r>
             <a:r>
-              <a:rPr lang="de-DE" dirty="0"/>
+              <a:rPr lang="de-DE" dirty="0">
+                <a:latin typeface="Helvetica" pitchFamily="2" charset="0"/>
+              </a:rPr>
               <a:t> type #COLLECTION.  </a:t>
             </a:r>
           </a:p>
           <a:p>
             <a:r>
-              <a:rPr lang="de-DE" b="1" dirty="0" err="1"/>
+              <a:rPr lang="de-DE" b="1" dirty="0" err="1">
+                <a:latin typeface="Helvetica" pitchFamily="2" charset="0"/>
+              </a:rPr>
               <a:t>UI.fieldGroupThe</a:t>
             </a:r>
             <a:r>
-              <a:rPr lang="de-DE" b="1" dirty="0"/>
-              <a:t> </a:t>
-            </a:r>
-            <a:r>
-              <a:rPr lang="de-DE" b="1" dirty="0" err="1"/>
+              <a:rPr lang="de-DE" b="1" dirty="0">
+                <a:latin typeface="Helvetica" pitchFamily="2" charset="0"/>
+              </a:rPr>
+              <a:t> </a:t>
+            </a:r>
+            <a:r>
+              <a:rPr lang="de-DE" b="1" dirty="0" err="1">
+                <a:latin typeface="Helvetica" pitchFamily="2" charset="0"/>
+              </a:rPr>
               <a:t>annotation</a:t>
             </a:r>
             <a:r>
-              <a:rPr lang="de-DE" b="1" dirty="0"/>
+              <a:rPr lang="de-DE" b="1" dirty="0">
+                <a:latin typeface="Helvetica" pitchFamily="2" charset="0"/>
+              </a:rPr>
               <a:t> </a:t>
             </a:r>
             <a:br>
-              <a:rPr lang="de-DE" dirty="0"/>
+              <a:rPr lang="de-DE" dirty="0">
+                <a:latin typeface="Helvetica" pitchFamily="2" charset="0"/>
+              </a:rPr>
             </a:br>
             <a:r>
-              <a:rPr lang="de-DE" dirty="0" err="1"/>
+              <a:rPr lang="de-DE" dirty="0" err="1">
+                <a:latin typeface="Helvetica" pitchFamily="2" charset="0"/>
+              </a:rPr>
               <a:t>UI.fieldGroup</a:t>
             </a:r>
             <a:r>
-              <a:rPr lang="de-DE" dirty="0"/>
-              <a:t> </a:t>
-            </a:r>
-            <a:r>
-              <a:rPr lang="de-DE" dirty="0" err="1"/>
+              <a:rPr lang="de-DE" dirty="0">
+                <a:latin typeface="Helvetica" pitchFamily="2" charset="0"/>
+              </a:rPr>
+              <a:t> </a:t>
+            </a:r>
+            <a:r>
+              <a:rPr lang="de-DE" dirty="0" err="1">
+                <a:latin typeface="Helvetica" pitchFamily="2" charset="0"/>
+              </a:rPr>
               <a:t>allows</a:t>
             </a:r>
             <a:r>
-              <a:rPr lang="de-DE" dirty="0"/>
-              <a:t> </a:t>
-            </a:r>
-            <a:r>
-              <a:rPr lang="de-DE" dirty="0" err="1"/>
+              <a:rPr lang="de-DE" dirty="0">
+                <a:latin typeface="Helvetica" pitchFamily="2" charset="0"/>
+              </a:rPr>
+              <a:t> </a:t>
+            </a:r>
+            <a:r>
+              <a:rPr lang="de-DE" dirty="0" err="1">
+                <a:latin typeface="Helvetica" pitchFamily="2" charset="0"/>
+              </a:rPr>
               <a:t>you</a:t>
             </a:r>
             <a:r>
-              <a:rPr lang="de-DE" dirty="0"/>
-              <a:t> </a:t>
-            </a:r>
-            <a:r>
-              <a:rPr lang="de-DE" dirty="0" err="1"/>
+              <a:rPr lang="de-DE" dirty="0">
+                <a:latin typeface="Helvetica" pitchFamily="2" charset="0"/>
+              </a:rPr>
+              <a:t> </a:t>
+            </a:r>
+            <a:r>
+              <a:rPr lang="de-DE" dirty="0" err="1">
+                <a:latin typeface="Helvetica" pitchFamily="2" charset="0"/>
+              </a:rPr>
               <a:t>to</a:t>
             </a:r>
             <a:r>
-              <a:rPr lang="de-DE" dirty="0"/>
-              <a:t> </a:t>
-            </a:r>
-            <a:r>
-              <a:rPr lang="de-DE" dirty="0" err="1"/>
+              <a:rPr lang="de-DE" dirty="0">
+                <a:latin typeface="Helvetica" pitchFamily="2" charset="0"/>
+              </a:rPr>
+              <a:t> </a:t>
+            </a:r>
+            <a:r>
+              <a:rPr lang="de-DE" dirty="0" err="1">
+                <a:latin typeface="Helvetica" pitchFamily="2" charset="0"/>
+              </a:rPr>
               <a:t>define</a:t>
             </a:r>
             <a:r>
-              <a:rPr lang="de-DE" dirty="0"/>
-              <a:t> </a:t>
-            </a:r>
-            <a:r>
-              <a:rPr lang="de-DE" dirty="0" err="1"/>
+              <a:rPr lang="de-DE" dirty="0">
+                <a:latin typeface="Helvetica" pitchFamily="2" charset="0"/>
+              </a:rPr>
+              <a:t> </a:t>
+            </a:r>
+            <a:r>
+              <a:rPr lang="de-DE" dirty="0" err="1">
+                <a:latin typeface="Helvetica" pitchFamily="2" charset="0"/>
+              </a:rPr>
               <a:t>subsections</a:t>
             </a:r>
             <a:r>
-              <a:rPr lang="de-DE" dirty="0"/>
-              <a:t> </a:t>
-            </a:r>
-            <a:r>
-              <a:rPr lang="de-DE" dirty="0" err="1"/>
+              <a:rPr lang="de-DE" dirty="0">
+                <a:latin typeface="Helvetica" pitchFamily="2" charset="0"/>
+              </a:rPr>
+              <a:t> </a:t>
+            </a:r>
+            <a:r>
+              <a:rPr lang="de-DE" dirty="0" err="1">
+                <a:latin typeface="Helvetica" pitchFamily="2" charset="0"/>
+              </a:rPr>
               <a:t>for</a:t>
             </a:r>
             <a:r>
-              <a:rPr lang="de-DE" dirty="0"/>
-              <a:t> </a:t>
-            </a:r>
-            <a:r>
-              <a:rPr lang="de-DE" dirty="0" err="1"/>
+              <a:rPr lang="de-DE" dirty="0">
+                <a:latin typeface="Helvetica" pitchFamily="2" charset="0"/>
+              </a:rPr>
+              <a:t> </a:t>
+            </a:r>
+            <a:r>
+              <a:rPr lang="de-DE" dirty="0" err="1">
+                <a:latin typeface="Helvetica" pitchFamily="2" charset="0"/>
+              </a:rPr>
               <a:t>anObject</a:t>
             </a:r>
             <a:r>
-              <a:rPr lang="de-DE" dirty="0"/>
+              <a:rPr lang="de-DE" dirty="0">
+                <a:latin typeface="Helvetica" pitchFamily="2" charset="0"/>
+              </a:rPr>
               <a:t> Page. </a:t>
             </a:r>
             <a:r>
-              <a:rPr lang="de-DE" dirty="0" err="1"/>
+              <a:rPr lang="de-DE" dirty="0" err="1">
+                <a:latin typeface="Helvetica" pitchFamily="2" charset="0"/>
+              </a:rPr>
               <a:t>You</a:t>
             </a:r>
             <a:r>
-              <a:rPr lang="de-DE" dirty="0"/>
-              <a:t> </a:t>
-            </a:r>
-            <a:r>
-              <a:rPr lang="de-DE" dirty="0" err="1"/>
+              <a:rPr lang="de-DE" dirty="0">
+                <a:latin typeface="Helvetica" pitchFamily="2" charset="0"/>
+              </a:rPr>
+              <a:t> </a:t>
+            </a:r>
+            <a:r>
+              <a:rPr lang="de-DE" dirty="0" err="1">
+                <a:latin typeface="Helvetica" pitchFamily="2" charset="0"/>
+              </a:rPr>
               <a:t>can</a:t>
             </a:r>
             <a:r>
-              <a:rPr lang="de-DE" dirty="0"/>
-              <a:t> </a:t>
-            </a:r>
-            <a:r>
-              <a:rPr lang="de-DE" dirty="0" err="1"/>
+              <a:rPr lang="de-DE" dirty="0">
+                <a:latin typeface="Helvetica" pitchFamily="2" charset="0"/>
+              </a:rPr>
+              <a:t> </a:t>
+            </a:r>
+            <a:r>
+              <a:rPr lang="de-DE" dirty="0" err="1">
+                <a:latin typeface="Helvetica" pitchFamily="2" charset="0"/>
+              </a:rPr>
               <a:t>use</a:t>
             </a:r>
             <a:r>
-              <a:rPr lang="de-DE" dirty="0"/>
-              <a:t> </a:t>
-            </a:r>
-            <a:r>
-              <a:rPr lang="de-DE" dirty="0" err="1"/>
+              <a:rPr lang="de-DE" dirty="0">
+                <a:latin typeface="Helvetica" pitchFamily="2" charset="0"/>
+              </a:rPr>
+              <a:t> </a:t>
+            </a:r>
+            <a:r>
+              <a:rPr lang="de-DE" dirty="0" err="1">
+                <a:latin typeface="Helvetica" pitchFamily="2" charset="0"/>
+              </a:rPr>
               <a:t>the</a:t>
             </a:r>
             <a:r>
-              <a:rPr lang="de-DE" dirty="0"/>
-              <a:t> </a:t>
-            </a:r>
-            <a:r>
-              <a:rPr lang="de-DE" dirty="0" err="1"/>
+              <a:rPr lang="de-DE" dirty="0">
+                <a:latin typeface="Helvetica" pitchFamily="2" charset="0"/>
+              </a:rPr>
+              <a:t> </a:t>
+            </a:r>
+            <a:r>
+              <a:rPr lang="de-DE" dirty="0" err="1">
+                <a:latin typeface="Helvetica" pitchFamily="2" charset="0"/>
+              </a:rPr>
               <a:t>annotations</a:t>
             </a:r>
             <a:r>
-              <a:rPr lang="de-DE" dirty="0"/>
-              <a:t> </a:t>
-            </a:r>
-            <a:r>
-              <a:rPr lang="de-DE" dirty="0" err="1"/>
+              <a:rPr lang="de-DE" dirty="0">
+                <a:latin typeface="Helvetica" pitchFamily="2" charset="0"/>
+              </a:rPr>
+              <a:t> </a:t>
+            </a:r>
+            <a:r>
+              <a:rPr lang="de-DE" dirty="0" err="1">
+                <a:latin typeface="Helvetica" pitchFamily="2" charset="0"/>
+              </a:rPr>
               <a:t>UI.facet</a:t>
             </a:r>
             <a:r>
-              <a:rPr lang="de-DE" dirty="0"/>
+              <a:rPr lang="de-DE" dirty="0">
+                <a:latin typeface="Helvetica" pitchFamily="2" charset="0"/>
+              </a:rPr>
               <a:t> and </a:t>
             </a:r>
             <a:r>
-              <a:rPr lang="de-DE" dirty="0" err="1"/>
+              <a:rPr lang="de-DE" dirty="0" err="1">
+                <a:latin typeface="Helvetica" pitchFamily="2" charset="0"/>
+              </a:rPr>
               <a:t>UI.fieldGroup</a:t>
             </a:r>
             <a:r>
-              <a:rPr lang="de-DE" dirty="0"/>
-              <a:t> </a:t>
-            </a:r>
-            <a:r>
-              <a:rPr lang="de-DE" dirty="0" err="1"/>
+              <a:rPr lang="de-DE" dirty="0">
+                <a:latin typeface="Helvetica" pitchFamily="2" charset="0"/>
+              </a:rPr>
+              <a:t> </a:t>
+            </a:r>
+            <a:r>
+              <a:rPr lang="de-DE" dirty="0" err="1">
+                <a:latin typeface="Helvetica" pitchFamily="2" charset="0"/>
+              </a:rPr>
               <a:t>to</a:t>
             </a:r>
             <a:r>
-              <a:rPr lang="de-DE" dirty="0"/>
-              <a:t> </a:t>
-            </a:r>
-            <a:r>
-              <a:rPr lang="de-DE" dirty="0" err="1"/>
+              <a:rPr lang="de-DE" dirty="0">
+                <a:latin typeface="Helvetica" pitchFamily="2" charset="0"/>
+              </a:rPr>
+              <a:t> </a:t>
+            </a:r>
+            <a:r>
+              <a:rPr lang="de-DE" dirty="0" err="1">
+                <a:latin typeface="Helvetica" pitchFamily="2" charset="0"/>
+              </a:rPr>
               <a:t>logically</a:t>
             </a:r>
             <a:r>
-              <a:rPr lang="de-DE" dirty="0"/>
-              <a:t> </a:t>
-            </a:r>
-            <a:r>
-              <a:rPr lang="de-DE" dirty="0" err="1"/>
+              <a:rPr lang="de-DE" dirty="0">
+                <a:latin typeface="Helvetica" pitchFamily="2" charset="0"/>
+              </a:rPr>
+              <a:t> </a:t>
+            </a:r>
+            <a:r>
+              <a:rPr lang="de-DE" dirty="0" err="1">
+                <a:latin typeface="Helvetica" pitchFamily="2" charset="0"/>
+              </a:rPr>
               <a:t>group</a:t>
             </a:r>
             <a:r>
-              <a:rPr lang="de-DE" dirty="0"/>
-              <a:t> </a:t>
-            </a:r>
-            <a:r>
-              <a:rPr lang="de-DE" dirty="0" err="1"/>
+              <a:rPr lang="de-DE" dirty="0">
+                <a:latin typeface="Helvetica" pitchFamily="2" charset="0"/>
+              </a:rPr>
+              <a:t> </a:t>
+            </a:r>
+            <a:r>
+              <a:rPr lang="de-DE" dirty="0" err="1">
+                <a:latin typeface="Helvetica" pitchFamily="2" charset="0"/>
+              </a:rPr>
               <a:t>the</a:t>
             </a:r>
             <a:r>
-              <a:rPr lang="de-DE" dirty="0"/>
-              <a:t> </a:t>
-            </a:r>
-            <a:r>
-              <a:rPr lang="de-DE" dirty="0" err="1"/>
+              <a:rPr lang="de-DE" dirty="0">
+                <a:latin typeface="Helvetica" pitchFamily="2" charset="0"/>
+              </a:rPr>
+              <a:t> </a:t>
+            </a:r>
+            <a:r>
+              <a:rPr lang="de-DE" dirty="0" err="1">
+                <a:latin typeface="Helvetica" pitchFamily="2" charset="0"/>
+              </a:rPr>
               <a:t>data</a:t>
             </a:r>
             <a:r>
-              <a:rPr lang="de-DE" dirty="0"/>
+              <a:rPr lang="de-DE" dirty="0">
+                <a:latin typeface="Helvetica" pitchFamily="2" charset="0"/>
+              </a:rPr>
               <a:t> in </a:t>
             </a:r>
             <a:r>
-              <a:rPr lang="de-DE" dirty="0" err="1"/>
+              <a:rPr lang="de-DE" dirty="0" err="1">
+                <a:latin typeface="Helvetica" pitchFamily="2" charset="0"/>
+              </a:rPr>
               <a:t>the</a:t>
             </a:r>
             <a:r>
-              <a:rPr lang="de-DE" dirty="0"/>
-              <a:t> </a:t>
-            </a:r>
-            <a:r>
-              <a:rPr lang="de-DE" dirty="0" err="1"/>
+              <a:rPr lang="de-DE" dirty="0">
+                <a:latin typeface="Helvetica" pitchFamily="2" charset="0"/>
+              </a:rPr>
+              <a:t> </a:t>
+            </a:r>
+            <a:r>
+              <a:rPr lang="de-DE" dirty="0" err="1">
+                <a:latin typeface="Helvetica" pitchFamily="2" charset="0"/>
+              </a:rPr>
               <a:t>content</a:t>
             </a:r>
             <a:r>
-              <a:rPr lang="de-DE" dirty="0"/>
-              <a:t> </a:t>
-            </a:r>
-            <a:r>
-              <a:rPr lang="de-DE" dirty="0" err="1"/>
+              <a:rPr lang="de-DE" dirty="0">
+                <a:latin typeface="Helvetica" pitchFamily="2" charset="0"/>
+              </a:rPr>
+              <a:t> </a:t>
+            </a:r>
+            <a:r>
+              <a:rPr lang="de-DE" dirty="0" err="1">
+                <a:latin typeface="Helvetica" pitchFamily="2" charset="0"/>
+              </a:rPr>
               <a:t>area</a:t>
             </a:r>
             <a:r>
-              <a:rPr lang="de-DE" dirty="0"/>
-              <a:t> </a:t>
-            </a:r>
-            <a:r>
-              <a:rPr lang="de-DE" dirty="0" err="1"/>
+              <a:rPr lang="de-DE" dirty="0">
+                <a:latin typeface="Helvetica" pitchFamily="2" charset="0"/>
+              </a:rPr>
+              <a:t> </a:t>
+            </a:r>
+            <a:r>
+              <a:rPr lang="de-DE" dirty="0" err="1">
+                <a:latin typeface="Helvetica" pitchFamily="2" charset="0"/>
+              </a:rPr>
               <a:t>of</a:t>
             </a:r>
             <a:r>
-              <a:rPr lang="de-DE" dirty="0"/>
-              <a:t> </a:t>
-            </a:r>
-            <a:r>
-              <a:rPr lang="de-DE" dirty="0" err="1"/>
+              <a:rPr lang="de-DE" dirty="0">
+                <a:latin typeface="Helvetica" pitchFamily="2" charset="0"/>
+              </a:rPr>
+              <a:t> </a:t>
+            </a:r>
+            <a:r>
+              <a:rPr lang="de-DE" dirty="0" err="1">
+                <a:latin typeface="Helvetica" pitchFamily="2" charset="0"/>
+              </a:rPr>
               <a:t>the</a:t>
             </a:r>
             <a:r>
-              <a:rPr lang="de-DE" dirty="0"/>
-              <a:t> </a:t>
-            </a:r>
-            <a:r>
-              <a:rPr lang="de-DE" dirty="0" err="1"/>
+              <a:rPr lang="de-DE" dirty="0">
+                <a:latin typeface="Helvetica" pitchFamily="2" charset="0"/>
+              </a:rPr>
+              <a:t> </a:t>
+            </a:r>
+            <a:r>
+              <a:rPr lang="de-DE" dirty="0" err="1">
+                <a:latin typeface="Helvetica" pitchFamily="2" charset="0"/>
+              </a:rPr>
               <a:t>object</a:t>
             </a:r>
             <a:r>
-              <a:rPr lang="de-DE" dirty="0"/>
-              <a:t> </a:t>
-            </a:r>
-            <a:r>
-              <a:rPr lang="de-DE" dirty="0" err="1"/>
+              <a:rPr lang="de-DE" dirty="0">
+                <a:latin typeface="Helvetica" pitchFamily="2" charset="0"/>
+              </a:rPr>
+              <a:t> </a:t>
+            </a:r>
+            <a:r>
+              <a:rPr lang="de-DE" dirty="0" err="1">
+                <a:latin typeface="Helvetica" pitchFamily="2" charset="0"/>
+              </a:rPr>
               <a:t>page</a:t>
             </a:r>
             <a:r>
-              <a:rPr lang="de-DE" dirty="0"/>
+              <a:rPr lang="de-DE" dirty="0">
+                <a:latin typeface="Helvetica" pitchFamily="2" charset="0"/>
+              </a:rPr>
               <a:t> in </a:t>
             </a:r>
             <a:r>
-              <a:rPr lang="de-DE" dirty="0" err="1"/>
+              <a:rPr lang="de-DE" dirty="0" err="1">
+                <a:latin typeface="Helvetica" pitchFamily="2" charset="0"/>
+              </a:rPr>
               <a:t>this</a:t>
             </a:r>
             <a:r>
-              <a:rPr lang="de-DE" dirty="0"/>
-              <a:t> </a:t>
-            </a:r>
-            <a:r>
-              <a:rPr lang="de-DE" dirty="0" err="1"/>
+              <a:rPr lang="de-DE" dirty="0">
+                <a:latin typeface="Helvetica" pitchFamily="2" charset="0"/>
+              </a:rPr>
+              <a:t> </a:t>
+            </a:r>
+            <a:r>
+              <a:rPr lang="de-DE" dirty="0" err="1">
+                <a:latin typeface="Helvetica" pitchFamily="2" charset="0"/>
+              </a:rPr>
               <a:t>way</a:t>
             </a:r>
             <a:r>
-              <a:rPr lang="de-DE" dirty="0"/>
+              <a:rPr lang="de-DE" dirty="0">
+                <a:latin typeface="Helvetica" pitchFamily="2" charset="0"/>
+              </a:rPr>
               <a:t>.</a:t>
             </a:r>
           </a:p>
@@ -5615,7 +6176,9 @@
               </a:rPr>
               <a:t>.</a:t>
             </a:r>
-            <a:endParaRPr lang="de-DE" dirty="0"/>
+            <a:endParaRPr lang="de-DE" dirty="0">
+              <a:latin typeface="Helvetica" pitchFamily="2" charset="0"/>
+            </a:endParaRPr>
           </a:p>
         </p:txBody>
       </p:sp>
@@ -5623,976 +6186,6 @@
     <p:extLst>
       <p:ext uri="{BB962C8B-B14F-4D97-AF65-F5344CB8AC3E}">
         <p14:creationId xmlns:p14="http://schemas.microsoft.com/office/powerpoint/2010/main" val="1665517227"/>
-      </p:ext>
-    </p:extLst>
-  </p:cSld>
-  <p:clrMapOvr>
-    <a:masterClrMapping/>
-  </p:clrMapOvr>
-</p:sld>
-</file>
-
-<file path=ppt/slides/slide4.xml><?xml version="1.0" encoding="utf-8"?>
-<p:sld xmlns:a="http://schemas.openxmlformats.org/drawingml/2006/main" xmlns:r="http://schemas.openxmlformats.org/officeDocument/2006/relationships" xmlns:p="http://schemas.openxmlformats.org/presentationml/2006/main">
-  <p:cSld>
-    <p:spTree>
-      <p:nvGrpSpPr>
-        <p:cNvPr id="1" name=""/>
-        <p:cNvGrpSpPr/>
-        <p:nvPr/>
-      </p:nvGrpSpPr>
-      <p:grpSpPr>
-        <a:xfrm>
-          <a:off x="0" y="0"/>
-          <a:ext cx="0" cy="0"/>
-          <a:chOff x="0" y="0"/>
-          <a:chExt cx="0" cy="0"/>
-        </a:xfrm>
-      </p:grpSpPr>
-      <p:sp>
-        <p:nvSpPr>
-          <p:cNvPr id="2" name="Titel 1">
-            <a:extLst>
-              <a:ext uri="{FF2B5EF4-FFF2-40B4-BE49-F238E27FC236}">
-                <a16:creationId xmlns:a16="http://schemas.microsoft.com/office/drawing/2014/main" id="{3D85FAA2-E834-7518-6017-F446A706756C}"/>
-              </a:ext>
-            </a:extLst>
-          </p:cNvPr>
-          <p:cNvSpPr>
-            <a:spLocks noGrp="1"/>
-          </p:cNvSpPr>
-          <p:nvPr>
-            <p:ph type="title"/>
-          </p:nvPr>
-        </p:nvSpPr>
-        <p:spPr/>
-        <p:txBody>
-          <a:bodyPr/>
-          <a:lstStyle/>
-          <a:p>
-            <a:r>
-              <a:rPr lang="de-DE" dirty="0"/>
-              <a:t>User Interface </a:t>
-            </a:r>
-            <a:r>
-              <a:rPr lang="de-DE" dirty="0" err="1"/>
-              <a:t>Anotations</a:t>
-            </a:r>
-            <a:endParaRPr lang="de-DE" dirty="0"/>
-          </a:p>
-        </p:txBody>
-      </p:sp>
-      <p:sp>
-        <p:nvSpPr>
-          <p:cNvPr id="3" name="Inhaltsplatzhalter 2">
-            <a:extLst>
-              <a:ext uri="{FF2B5EF4-FFF2-40B4-BE49-F238E27FC236}">
-                <a16:creationId xmlns:a16="http://schemas.microsoft.com/office/drawing/2014/main" id="{4B3D7480-675C-CC17-F22C-4020009370CD}"/>
-              </a:ext>
-            </a:extLst>
-          </p:cNvPr>
-          <p:cNvSpPr>
-            <a:spLocks noGrp="1"/>
-          </p:cNvSpPr>
-          <p:nvPr>
-            <p:ph idx="1"/>
-          </p:nvPr>
-        </p:nvSpPr>
-        <p:spPr/>
-        <p:txBody>
-          <a:bodyPr>
-            <a:normAutofit/>
-          </a:bodyPr>
-          <a:lstStyle/>
-          <a:p>
-            <a:r>
-              <a:rPr lang="de-DE" b="1" dirty="0" err="1">
-                <a:effectLst/>
-                <a:latin typeface="Helvetica" pitchFamily="2" charset="0"/>
-              </a:rPr>
-              <a:t>UI.headerInfo</a:t>
-            </a:r>
-            <a:br>
-              <a:rPr lang="de-DE" dirty="0">
-                <a:latin typeface="Helvetica" pitchFamily="2" charset="0"/>
-              </a:rPr>
-            </a:br>
-            <a:r>
-              <a:rPr lang="de-DE" dirty="0" err="1">
-                <a:effectLst/>
-                <a:latin typeface="Helvetica" pitchFamily="2" charset="0"/>
-              </a:rPr>
-              <a:t>Using</a:t>
-            </a:r>
-            <a:r>
-              <a:rPr lang="de-DE" dirty="0">
-                <a:effectLst/>
-                <a:latin typeface="Helvetica" pitchFamily="2" charset="0"/>
-              </a:rPr>
-              <a:t> </a:t>
-            </a:r>
-            <a:r>
-              <a:rPr lang="de-DE" dirty="0" err="1">
-                <a:effectLst/>
-                <a:latin typeface="Helvetica" pitchFamily="2" charset="0"/>
-              </a:rPr>
-              <a:t>the</a:t>
-            </a:r>
-            <a:r>
-              <a:rPr lang="de-DE" dirty="0">
-                <a:effectLst/>
-                <a:latin typeface="Helvetica" pitchFamily="2" charset="0"/>
-              </a:rPr>
-              <a:t> </a:t>
-            </a:r>
-            <a:r>
-              <a:rPr lang="de-DE" dirty="0" err="1">
-                <a:effectLst/>
-                <a:latin typeface="Helvetica" pitchFamily="2" charset="0"/>
-              </a:rPr>
-              <a:t>annotations</a:t>
-            </a:r>
-            <a:r>
-              <a:rPr lang="de-DE" dirty="0">
-                <a:effectLst/>
-                <a:latin typeface="Helvetica" pitchFamily="2" charset="0"/>
-              </a:rPr>
-              <a:t> </a:t>
-            </a:r>
-            <a:r>
-              <a:rPr lang="de-DE" dirty="0" err="1">
-                <a:effectLst/>
-                <a:latin typeface="Helvetica" pitchFamily="2" charset="0"/>
-              </a:rPr>
-              <a:t>that</a:t>
-            </a:r>
-            <a:r>
-              <a:rPr lang="de-DE" dirty="0">
-                <a:effectLst/>
-                <a:latin typeface="Helvetica" pitchFamily="2" charset="0"/>
-              </a:rPr>
-              <a:t> </a:t>
-            </a:r>
-            <a:r>
-              <a:rPr lang="de-DE" dirty="0" err="1">
-                <a:effectLst/>
-                <a:latin typeface="Helvetica" pitchFamily="2" charset="0"/>
-              </a:rPr>
-              <a:t>belong</a:t>
-            </a:r>
-            <a:r>
-              <a:rPr lang="de-DE" dirty="0">
-                <a:effectLst/>
-                <a:latin typeface="Helvetica" pitchFamily="2" charset="0"/>
-              </a:rPr>
-              <a:t> </a:t>
-            </a:r>
-            <a:r>
-              <a:rPr lang="de-DE" dirty="0" err="1">
-                <a:effectLst/>
-                <a:latin typeface="Helvetica" pitchFamily="2" charset="0"/>
-              </a:rPr>
-              <a:t>to</a:t>
-            </a:r>
-            <a:r>
-              <a:rPr lang="de-DE" dirty="0">
-                <a:effectLst/>
-                <a:latin typeface="Helvetica" pitchFamily="2" charset="0"/>
-              </a:rPr>
-              <a:t> </a:t>
-            </a:r>
-            <a:r>
-              <a:rPr lang="de-DE" dirty="0" err="1">
-                <a:effectLst/>
-                <a:latin typeface="Helvetica" pitchFamily="2" charset="0"/>
-              </a:rPr>
-              <a:t>the</a:t>
-            </a:r>
-            <a:r>
-              <a:rPr lang="de-DE" dirty="0">
-                <a:effectLst/>
-                <a:latin typeface="Helvetica" pitchFamily="2" charset="0"/>
-              </a:rPr>
-              <a:t> </a:t>
-            </a:r>
-            <a:r>
-              <a:rPr lang="de-DE" dirty="0" err="1">
-                <a:effectLst/>
-                <a:latin typeface="Helvetica" pitchFamily="2" charset="0"/>
-              </a:rPr>
-              <a:t>UI.headerInfo</a:t>
-            </a:r>
-            <a:r>
-              <a:rPr lang="de-DE" dirty="0">
-                <a:effectLst/>
-                <a:latin typeface="Helvetica" pitchFamily="2" charset="0"/>
-              </a:rPr>
-              <a:t> </a:t>
-            </a:r>
-            <a:r>
-              <a:rPr lang="de-DE" dirty="0" err="1">
-                <a:effectLst/>
-                <a:latin typeface="Helvetica" pitchFamily="2" charset="0"/>
-              </a:rPr>
-              <a:t>annotation</a:t>
-            </a:r>
-            <a:r>
-              <a:rPr lang="de-DE" dirty="0">
-                <a:effectLst/>
-                <a:latin typeface="Helvetica" pitchFamily="2" charset="0"/>
-              </a:rPr>
-              <a:t>, </a:t>
-            </a:r>
-            <a:r>
-              <a:rPr lang="de-DE" dirty="0" err="1">
-                <a:effectLst/>
-                <a:latin typeface="Helvetica" pitchFamily="2" charset="0"/>
-              </a:rPr>
-              <a:t>you</a:t>
-            </a:r>
-            <a:r>
-              <a:rPr lang="de-DE" dirty="0">
-                <a:effectLst/>
-                <a:latin typeface="Helvetica" pitchFamily="2" charset="0"/>
-              </a:rPr>
-              <a:t> </a:t>
-            </a:r>
-            <a:r>
-              <a:rPr lang="de-DE" dirty="0" err="1">
-                <a:effectLst/>
-                <a:latin typeface="Helvetica" pitchFamily="2" charset="0"/>
-              </a:rPr>
-              <a:t>can</a:t>
-            </a:r>
-            <a:r>
-              <a:rPr lang="de-DE" dirty="0">
-                <a:effectLst/>
-                <a:latin typeface="Helvetica" pitchFamily="2" charset="0"/>
-              </a:rPr>
-              <a:t> </a:t>
-            </a:r>
-            <a:r>
-              <a:rPr lang="de-DE" dirty="0" err="1">
-                <a:effectLst/>
-                <a:latin typeface="Helvetica" pitchFamily="2" charset="0"/>
-              </a:rPr>
-              <a:t>describe</a:t>
-            </a:r>
-            <a:r>
-              <a:rPr lang="de-DE" dirty="0">
-                <a:effectLst/>
-                <a:latin typeface="Helvetica" pitchFamily="2" charset="0"/>
-              </a:rPr>
-              <a:t> an </a:t>
-            </a:r>
-            <a:r>
-              <a:rPr lang="de-DE" dirty="0" err="1">
-                <a:effectLst/>
-                <a:latin typeface="Helvetica" pitchFamily="2" charset="0"/>
-              </a:rPr>
-              <a:t>entity</a:t>
-            </a:r>
-            <a:r>
-              <a:rPr lang="de-DE" dirty="0">
-                <a:effectLst/>
-                <a:latin typeface="Helvetica" pitchFamily="2" charset="0"/>
-              </a:rPr>
-              <a:t> </a:t>
-            </a:r>
-            <a:r>
-              <a:rPr lang="de-DE" dirty="0" err="1">
-                <a:effectLst/>
-                <a:latin typeface="Helvetica" pitchFamily="2" charset="0"/>
-              </a:rPr>
-              <a:t>by</a:t>
-            </a:r>
-            <a:r>
-              <a:rPr lang="de-DE" dirty="0">
-                <a:effectLst/>
-                <a:latin typeface="Helvetica" pitchFamily="2" charset="0"/>
-              </a:rPr>
-              <a:t> </a:t>
-            </a:r>
-            <a:r>
-              <a:rPr lang="de-DE" dirty="0" err="1">
-                <a:effectLst/>
-                <a:latin typeface="Helvetica" pitchFamily="2" charset="0"/>
-              </a:rPr>
-              <a:t>assigning</a:t>
-            </a:r>
-            <a:r>
-              <a:rPr lang="de-DE" dirty="0">
-                <a:effectLst/>
-                <a:latin typeface="Helvetica" pitchFamily="2" charset="0"/>
-              </a:rPr>
-              <a:t> </a:t>
-            </a:r>
-            <a:r>
-              <a:rPr lang="de-DE" dirty="0" err="1">
-                <a:effectLst/>
-                <a:latin typeface="Helvetica" pitchFamily="2" charset="0"/>
-              </a:rPr>
-              <a:t>it</a:t>
-            </a:r>
-            <a:r>
-              <a:rPr lang="de-DE" dirty="0">
-                <a:effectLst/>
-                <a:latin typeface="Helvetica" pitchFamily="2" charset="0"/>
-              </a:rPr>
-              <a:t> a title and an optional </a:t>
-            </a:r>
-            <a:r>
-              <a:rPr lang="de-DE" dirty="0" err="1">
-                <a:effectLst/>
-                <a:latin typeface="Helvetica" pitchFamily="2" charset="0"/>
-              </a:rPr>
-              <a:t>short</a:t>
-            </a:r>
-            <a:r>
-              <a:rPr lang="de-DE" dirty="0">
-                <a:effectLst/>
-                <a:latin typeface="Helvetica" pitchFamily="2" charset="0"/>
-              </a:rPr>
-              <a:t> </a:t>
-            </a:r>
-            <a:r>
-              <a:rPr lang="de-DE" dirty="0" err="1">
-                <a:effectLst/>
-                <a:latin typeface="Helvetica" pitchFamily="2" charset="0"/>
-              </a:rPr>
-              <a:t>description</a:t>
-            </a:r>
-            <a:r>
-              <a:rPr lang="de-DE" dirty="0">
-                <a:effectLst/>
-                <a:latin typeface="Helvetica" pitchFamily="2" charset="0"/>
-              </a:rPr>
-              <a:t>. </a:t>
-            </a:r>
-            <a:r>
-              <a:rPr lang="de-DE" dirty="0" err="1">
-                <a:effectLst/>
-                <a:latin typeface="Helvetica" pitchFamily="2" charset="0"/>
-              </a:rPr>
-              <a:t>You</a:t>
-            </a:r>
-            <a:r>
-              <a:rPr lang="de-DE" dirty="0">
-                <a:effectLst/>
-                <a:latin typeface="Helvetica" pitchFamily="2" charset="0"/>
-              </a:rPr>
-              <a:t> </a:t>
-            </a:r>
-            <a:r>
-              <a:rPr lang="de-DE" dirty="0" err="1">
-                <a:effectLst/>
-                <a:latin typeface="Helvetica" pitchFamily="2" charset="0"/>
-              </a:rPr>
-              <a:t>can</a:t>
-            </a:r>
-            <a:r>
-              <a:rPr lang="de-DE" dirty="0">
-                <a:effectLst/>
-                <a:latin typeface="Helvetica" pitchFamily="2" charset="0"/>
-              </a:rPr>
-              <a:t> </a:t>
-            </a:r>
-            <a:r>
-              <a:rPr lang="de-DE" dirty="0" err="1">
-                <a:effectLst/>
-                <a:latin typeface="Helvetica" pitchFamily="2" charset="0"/>
-              </a:rPr>
-              <a:t>enter</a:t>
-            </a:r>
-            <a:r>
-              <a:rPr lang="de-DE" dirty="0">
-                <a:effectLst/>
-                <a:latin typeface="Helvetica" pitchFamily="2" charset="0"/>
-              </a:rPr>
-              <a:t> </a:t>
-            </a:r>
-            <a:r>
-              <a:rPr lang="de-DE" dirty="0" err="1">
-                <a:effectLst/>
-                <a:latin typeface="Helvetica" pitchFamily="2" charset="0"/>
-              </a:rPr>
-              <a:t>the</a:t>
-            </a:r>
-            <a:r>
-              <a:rPr lang="de-DE" dirty="0">
-                <a:effectLst/>
-                <a:latin typeface="Helvetica" pitchFamily="2" charset="0"/>
-              </a:rPr>
-              <a:t> </a:t>
-            </a:r>
-            <a:r>
-              <a:rPr lang="de-DE" dirty="0" err="1">
-                <a:effectLst/>
-                <a:latin typeface="Helvetica" pitchFamily="2" charset="0"/>
-              </a:rPr>
-              <a:t>name</a:t>
-            </a:r>
-            <a:r>
-              <a:rPr lang="de-DE" dirty="0">
-                <a:effectLst/>
-                <a:latin typeface="Helvetica" pitchFamily="2" charset="0"/>
-              </a:rPr>
-              <a:t> </a:t>
-            </a:r>
-            <a:r>
-              <a:rPr lang="de-DE" dirty="0" err="1">
-                <a:effectLst/>
-                <a:latin typeface="Helvetica" pitchFamily="2" charset="0"/>
-              </a:rPr>
-              <a:t>of</a:t>
-            </a:r>
-            <a:r>
-              <a:rPr lang="de-DE" dirty="0">
-                <a:effectLst/>
-                <a:latin typeface="Helvetica" pitchFamily="2" charset="0"/>
-              </a:rPr>
-              <a:t> </a:t>
-            </a:r>
-            <a:r>
-              <a:rPr lang="de-DE" dirty="0" err="1">
-                <a:effectLst/>
-                <a:latin typeface="Helvetica" pitchFamily="2" charset="0"/>
-              </a:rPr>
-              <a:t>the</a:t>
-            </a:r>
-            <a:r>
-              <a:rPr lang="de-DE" dirty="0">
-                <a:effectLst/>
-                <a:latin typeface="Helvetica" pitchFamily="2" charset="0"/>
-              </a:rPr>
-              <a:t> </a:t>
-            </a:r>
-            <a:r>
-              <a:rPr lang="de-DE" dirty="0" err="1">
-                <a:effectLst/>
-                <a:latin typeface="Helvetica" pitchFamily="2" charset="0"/>
-              </a:rPr>
-              <a:t>entity</a:t>
-            </a:r>
-            <a:r>
-              <a:rPr lang="de-DE" dirty="0">
-                <a:effectLst/>
-                <a:latin typeface="Helvetica" pitchFamily="2" charset="0"/>
-              </a:rPr>
-              <a:t> in </a:t>
-            </a:r>
-            <a:r>
-              <a:rPr lang="de-DE" dirty="0" err="1">
-                <a:effectLst/>
-                <a:latin typeface="Helvetica" pitchFamily="2" charset="0"/>
-              </a:rPr>
-              <a:t>both</a:t>
-            </a:r>
-            <a:r>
-              <a:rPr lang="de-DE" dirty="0">
-                <a:effectLst/>
-                <a:latin typeface="Helvetica" pitchFamily="2" charset="0"/>
-              </a:rPr>
-              <a:t> </a:t>
-            </a:r>
-            <a:r>
-              <a:rPr lang="de-DE" dirty="0" err="1">
-                <a:effectLst/>
-                <a:latin typeface="Helvetica" pitchFamily="2" charset="0"/>
-              </a:rPr>
-              <a:t>the</a:t>
-            </a:r>
-            <a:r>
-              <a:rPr lang="de-DE" dirty="0">
-                <a:effectLst/>
-                <a:latin typeface="Helvetica" pitchFamily="2" charset="0"/>
-              </a:rPr>
-              <a:t> </a:t>
-            </a:r>
-            <a:r>
-              <a:rPr lang="de-DE" dirty="0" err="1">
-                <a:effectLst/>
-                <a:latin typeface="Helvetica" pitchFamily="2" charset="0"/>
-              </a:rPr>
-              <a:t>singular</a:t>
-            </a:r>
-            <a:r>
-              <a:rPr lang="de-DE" dirty="0">
-                <a:effectLst/>
-                <a:latin typeface="Helvetica" pitchFamily="2" charset="0"/>
-              </a:rPr>
-              <a:t> and </a:t>
-            </a:r>
-            <a:r>
-              <a:rPr lang="de-DE" dirty="0" err="1">
-                <a:effectLst/>
-                <a:latin typeface="Helvetica" pitchFamily="2" charset="0"/>
-              </a:rPr>
-              <a:t>the</a:t>
-            </a:r>
-            <a:r>
-              <a:rPr lang="de-DE" dirty="0">
-                <a:effectLst/>
-                <a:latin typeface="Helvetica" pitchFamily="2" charset="0"/>
-              </a:rPr>
-              <a:t> plural. The </a:t>
-            </a:r>
-            <a:r>
-              <a:rPr lang="de-DE" dirty="0" err="1">
-                <a:effectLst/>
-                <a:latin typeface="Helvetica" pitchFamily="2" charset="0"/>
-              </a:rPr>
-              <a:t>singular</a:t>
-            </a:r>
-            <a:r>
-              <a:rPr lang="de-DE" dirty="0">
-                <a:effectLst/>
-                <a:latin typeface="Helvetica" pitchFamily="2" charset="0"/>
-              </a:rPr>
-              <a:t> </a:t>
-            </a:r>
-            <a:r>
-              <a:rPr lang="de-DE" dirty="0" err="1">
-                <a:effectLst/>
-                <a:latin typeface="Helvetica" pitchFamily="2" charset="0"/>
-              </a:rPr>
-              <a:t>is</a:t>
-            </a:r>
-            <a:r>
-              <a:rPr lang="de-DE" dirty="0">
-                <a:effectLst/>
-                <a:latin typeface="Helvetica" pitchFamily="2" charset="0"/>
-              </a:rPr>
-              <a:t> </a:t>
-            </a:r>
-            <a:r>
-              <a:rPr lang="de-DE" dirty="0" err="1">
-                <a:effectLst/>
-                <a:latin typeface="Helvetica" pitchFamily="2" charset="0"/>
-              </a:rPr>
-              <a:t>then</a:t>
-            </a:r>
-            <a:r>
-              <a:rPr lang="de-DE" dirty="0">
-                <a:effectLst/>
-                <a:latin typeface="Helvetica" pitchFamily="2" charset="0"/>
-              </a:rPr>
-              <a:t> </a:t>
-            </a:r>
-            <a:r>
-              <a:rPr lang="de-DE" dirty="0" err="1">
-                <a:effectLst/>
-                <a:latin typeface="Helvetica" pitchFamily="2" charset="0"/>
-              </a:rPr>
-              <a:t>displayed</a:t>
-            </a:r>
-            <a:r>
-              <a:rPr lang="de-DE" dirty="0">
-                <a:effectLst/>
-                <a:latin typeface="Helvetica" pitchFamily="2" charset="0"/>
-              </a:rPr>
-              <a:t> in </a:t>
-            </a:r>
-            <a:r>
-              <a:rPr lang="de-DE" dirty="0" err="1">
-                <a:effectLst/>
-                <a:latin typeface="Helvetica" pitchFamily="2" charset="0"/>
-              </a:rPr>
-              <a:t>the</a:t>
-            </a:r>
-            <a:r>
-              <a:rPr lang="de-DE" dirty="0">
-                <a:effectLst/>
-                <a:latin typeface="Helvetica" pitchFamily="2" charset="0"/>
-              </a:rPr>
-              <a:t> title, </a:t>
-            </a:r>
-            <a:r>
-              <a:rPr lang="de-DE" dirty="0" err="1">
-                <a:effectLst/>
-                <a:latin typeface="Helvetica" pitchFamily="2" charset="0"/>
-              </a:rPr>
-              <a:t>the</a:t>
-            </a:r>
-            <a:r>
-              <a:rPr lang="de-DE" dirty="0">
-                <a:effectLst/>
-                <a:latin typeface="Helvetica" pitchFamily="2" charset="0"/>
-              </a:rPr>
-              <a:t> plural </a:t>
-            </a:r>
-            <a:r>
-              <a:rPr lang="de-DE" dirty="0" err="1">
-                <a:effectLst/>
-                <a:latin typeface="Helvetica" pitchFamily="2" charset="0"/>
-              </a:rPr>
-              <a:t>as</a:t>
-            </a:r>
-            <a:r>
-              <a:rPr lang="de-DE" dirty="0">
-                <a:effectLst/>
-                <a:latin typeface="Helvetica" pitchFamily="2" charset="0"/>
-              </a:rPr>
-              <a:t> </a:t>
-            </a:r>
-            <a:r>
-              <a:rPr lang="de-DE" dirty="0" err="1">
-                <a:effectLst/>
-                <a:latin typeface="Helvetica" pitchFamily="2" charset="0"/>
-              </a:rPr>
-              <a:t>the</a:t>
-            </a:r>
-            <a:r>
-              <a:rPr lang="de-DE" dirty="0">
-                <a:effectLst/>
-                <a:latin typeface="Helvetica" pitchFamily="2" charset="0"/>
-              </a:rPr>
-              <a:t> </a:t>
-            </a:r>
-            <a:r>
-              <a:rPr lang="de-DE" dirty="0" err="1">
-                <a:effectLst/>
-                <a:latin typeface="Helvetica" pitchFamily="2" charset="0"/>
-              </a:rPr>
-              <a:t>heading</a:t>
-            </a:r>
-            <a:r>
-              <a:rPr lang="de-DE" dirty="0">
-                <a:effectLst/>
-                <a:latin typeface="Helvetica" pitchFamily="2" charset="0"/>
-              </a:rPr>
-              <a:t> </a:t>
-            </a:r>
-            <a:r>
-              <a:rPr lang="de-DE" dirty="0" err="1">
-                <a:effectLst/>
-                <a:latin typeface="Helvetica" pitchFamily="2" charset="0"/>
-              </a:rPr>
-              <a:t>of</a:t>
-            </a:r>
-            <a:r>
-              <a:rPr lang="de-DE" dirty="0">
-                <a:effectLst/>
-                <a:latin typeface="Helvetica" pitchFamily="2" charset="0"/>
-              </a:rPr>
-              <a:t> </a:t>
-            </a:r>
-            <a:r>
-              <a:rPr lang="de-DE" dirty="0" err="1">
-                <a:effectLst/>
-                <a:latin typeface="Helvetica" pitchFamily="2" charset="0"/>
-              </a:rPr>
-              <a:t>the</a:t>
-            </a:r>
-            <a:r>
-              <a:rPr lang="de-DE" dirty="0">
-                <a:effectLst/>
-                <a:latin typeface="Helvetica" pitchFamily="2" charset="0"/>
-              </a:rPr>
-              <a:t> </a:t>
-            </a:r>
-            <a:r>
-              <a:rPr lang="de-DE" dirty="0" err="1">
-                <a:effectLst/>
-                <a:latin typeface="Helvetica" pitchFamily="2" charset="0"/>
-              </a:rPr>
-              <a:t>table</a:t>
-            </a:r>
-            <a:r>
-              <a:rPr lang="de-DE" dirty="0">
-                <a:effectLst/>
-                <a:latin typeface="Helvetica" pitchFamily="2" charset="0"/>
-              </a:rPr>
-              <a:t> in </a:t>
-            </a:r>
-            <a:r>
-              <a:rPr lang="de-DE" dirty="0" err="1">
-                <a:effectLst/>
-                <a:latin typeface="Helvetica" pitchFamily="2" charset="0"/>
-              </a:rPr>
-              <a:t>the</a:t>
-            </a:r>
-            <a:r>
-              <a:rPr lang="de-DE" dirty="0">
-                <a:effectLst/>
-                <a:latin typeface="Helvetica" pitchFamily="2" charset="0"/>
-              </a:rPr>
-              <a:t> </a:t>
-            </a:r>
-            <a:r>
-              <a:rPr lang="de-DE" dirty="0" err="1">
-                <a:effectLst/>
-                <a:latin typeface="Helvetica" pitchFamily="2" charset="0"/>
-              </a:rPr>
-              <a:t>content</a:t>
-            </a:r>
-            <a:r>
-              <a:rPr lang="de-DE" dirty="0">
-                <a:effectLst/>
-                <a:latin typeface="Helvetica" pitchFamily="2" charset="0"/>
-              </a:rPr>
-              <a:t> </a:t>
-            </a:r>
-            <a:r>
-              <a:rPr lang="de-DE" dirty="0" err="1">
-                <a:effectLst/>
-                <a:latin typeface="Helvetica" pitchFamily="2" charset="0"/>
-              </a:rPr>
-              <a:t>area</a:t>
-            </a:r>
-            <a:r>
-              <a:rPr lang="de-DE" dirty="0">
-                <a:effectLst/>
-                <a:latin typeface="Helvetica" pitchFamily="2" charset="0"/>
-              </a:rPr>
-              <a:t> </a:t>
-            </a:r>
-            <a:r>
-              <a:rPr lang="de-DE" dirty="0" err="1">
-                <a:effectLst/>
-                <a:latin typeface="Helvetica" pitchFamily="2" charset="0"/>
-              </a:rPr>
-              <a:t>of</a:t>
-            </a:r>
-            <a:r>
-              <a:rPr lang="de-DE" dirty="0">
-                <a:effectLst/>
-                <a:latin typeface="Helvetica" pitchFamily="2" charset="0"/>
-              </a:rPr>
-              <a:t> </a:t>
-            </a:r>
-            <a:r>
-              <a:rPr lang="de-DE" dirty="0" err="1">
-                <a:effectLst/>
-                <a:latin typeface="Helvetica" pitchFamily="2" charset="0"/>
-              </a:rPr>
-              <a:t>the</a:t>
-            </a:r>
-            <a:r>
-              <a:rPr lang="de-DE" dirty="0">
-                <a:effectLst/>
-                <a:latin typeface="Helvetica" pitchFamily="2" charset="0"/>
-              </a:rPr>
-              <a:t> </a:t>
-            </a:r>
-            <a:r>
-              <a:rPr lang="de-DE" dirty="0" err="1">
-                <a:effectLst/>
-                <a:latin typeface="Helvetica" pitchFamily="2" charset="0"/>
-              </a:rPr>
-              <a:t>ListReport</a:t>
-            </a:r>
-            <a:r>
-              <a:rPr lang="de-DE" dirty="0">
-                <a:effectLst/>
-                <a:latin typeface="Helvetica" pitchFamily="2" charset="0"/>
-              </a:rPr>
-              <a:t> (e.g. </a:t>
-            </a:r>
-            <a:r>
-              <a:rPr lang="de-DE" dirty="0" err="1">
-                <a:effectLst/>
-                <a:latin typeface="Helvetica" pitchFamily="2" charset="0"/>
-              </a:rPr>
-              <a:t>sales</a:t>
-            </a:r>
-            <a:r>
-              <a:rPr lang="de-DE" dirty="0">
-                <a:effectLst/>
-                <a:latin typeface="Helvetica" pitchFamily="2" charset="0"/>
-              </a:rPr>
-              <a:t> </a:t>
-            </a:r>
-            <a:r>
-              <a:rPr lang="de-DE" dirty="0" err="1">
-                <a:effectLst/>
-                <a:latin typeface="Helvetica" pitchFamily="2" charset="0"/>
-              </a:rPr>
-              <a:t>order</a:t>
-            </a:r>
-            <a:r>
-              <a:rPr lang="de-DE" dirty="0">
-                <a:effectLst/>
-                <a:latin typeface="Helvetica" pitchFamily="2" charset="0"/>
-              </a:rPr>
-              <a:t> and </a:t>
-            </a:r>
-            <a:r>
-              <a:rPr lang="de-DE" dirty="0" err="1">
-                <a:effectLst/>
-                <a:latin typeface="Helvetica" pitchFamily="2" charset="0"/>
-              </a:rPr>
-              <a:t>sales</a:t>
-            </a:r>
-            <a:r>
-              <a:rPr lang="de-DE" dirty="0">
-                <a:effectLst/>
-                <a:latin typeface="Helvetica" pitchFamily="2" charset="0"/>
-              </a:rPr>
-              <a:t> </a:t>
-            </a:r>
-            <a:r>
-              <a:rPr lang="de-DE" dirty="0" err="1">
-                <a:effectLst/>
-                <a:latin typeface="Helvetica" pitchFamily="2" charset="0"/>
-              </a:rPr>
-              <a:t>orders</a:t>
-            </a:r>
-            <a:r>
-              <a:rPr lang="de-DE" dirty="0">
-                <a:effectLst/>
-                <a:latin typeface="Helvetica" pitchFamily="2" charset="0"/>
-              </a:rPr>
-              <a:t>). </a:t>
-            </a:r>
-            <a:r>
-              <a:rPr lang="de-DE" dirty="0" err="1">
-                <a:effectLst/>
-                <a:latin typeface="Helvetica" pitchFamily="2" charset="0"/>
-              </a:rPr>
-              <a:t>Optionally</a:t>
-            </a:r>
-            <a:r>
-              <a:rPr lang="de-DE" dirty="0">
-                <a:effectLst/>
-                <a:latin typeface="Helvetica" pitchFamily="2" charset="0"/>
-              </a:rPr>
-              <a:t>, </a:t>
-            </a:r>
-            <a:r>
-              <a:rPr lang="de-DE" dirty="0" err="1">
-                <a:effectLst/>
-                <a:latin typeface="Helvetica" pitchFamily="2" charset="0"/>
-              </a:rPr>
-              <a:t>you</a:t>
-            </a:r>
-            <a:r>
-              <a:rPr lang="de-DE" dirty="0">
-                <a:effectLst/>
-                <a:latin typeface="Helvetica" pitchFamily="2" charset="0"/>
-              </a:rPr>
-              <a:t> </a:t>
-            </a:r>
-            <a:r>
-              <a:rPr lang="de-DE" dirty="0" err="1">
-                <a:effectLst/>
-                <a:latin typeface="Helvetica" pitchFamily="2" charset="0"/>
-              </a:rPr>
-              <a:t>can</a:t>
-            </a:r>
-            <a:r>
-              <a:rPr lang="de-DE" dirty="0">
-                <a:effectLst/>
-                <a:latin typeface="Helvetica" pitchFamily="2" charset="0"/>
-              </a:rPr>
-              <a:t> </a:t>
-            </a:r>
-            <a:r>
-              <a:rPr lang="de-DE" dirty="0" err="1">
-                <a:effectLst/>
-                <a:latin typeface="Helvetica" pitchFamily="2" charset="0"/>
-              </a:rPr>
-              <a:t>specify</a:t>
-            </a:r>
-            <a:r>
-              <a:rPr lang="de-DE" dirty="0">
-                <a:effectLst/>
-                <a:latin typeface="Helvetica" pitchFamily="2" charset="0"/>
-              </a:rPr>
-              <a:t> a URL </a:t>
-            </a:r>
-            <a:r>
-              <a:rPr lang="de-DE" dirty="0" err="1">
-                <a:effectLst/>
-                <a:latin typeface="Helvetica" pitchFamily="2" charset="0"/>
-              </a:rPr>
-              <a:t>to</a:t>
-            </a:r>
-            <a:r>
-              <a:rPr lang="de-DE" dirty="0">
-                <a:effectLst/>
-                <a:latin typeface="Helvetica" pitchFamily="2" charset="0"/>
-              </a:rPr>
-              <a:t> </a:t>
-            </a:r>
-            <a:r>
-              <a:rPr lang="de-DE" dirty="0" err="1">
-                <a:effectLst/>
-                <a:latin typeface="Helvetica" pitchFamily="2" charset="0"/>
-              </a:rPr>
-              <a:t>call</a:t>
-            </a:r>
-            <a:r>
-              <a:rPr lang="de-DE" dirty="0">
-                <a:effectLst/>
-                <a:latin typeface="Helvetica" pitchFamily="2" charset="0"/>
-              </a:rPr>
-              <a:t> </a:t>
-            </a:r>
-            <a:r>
-              <a:rPr lang="de-DE" dirty="0" err="1">
-                <a:effectLst/>
-                <a:latin typeface="Helvetica" pitchFamily="2" charset="0"/>
-              </a:rPr>
-              <a:t>up</a:t>
-            </a:r>
-            <a:r>
-              <a:rPr lang="de-DE" dirty="0">
-                <a:effectLst/>
-                <a:latin typeface="Helvetica" pitchFamily="2" charset="0"/>
-              </a:rPr>
-              <a:t> a screen </a:t>
-            </a:r>
-            <a:r>
-              <a:rPr lang="de-DE" dirty="0" err="1">
-                <a:effectLst/>
-                <a:latin typeface="Helvetica" pitchFamily="2" charset="0"/>
-              </a:rPr>
-              <a:t>for</a:t>
-            </a:r>
-            <a:r>
-              <a:rPr lang="de-DE" dirty="0">
-                <a:effectLst/>
-                <a:latin typeface="Helvetica" pitchFamily="2" charset="0"/>
-              </a:rPr>
-              <a:t> </a:t>
-            </a:r>
-            <a:r>
-              <a:rPr lang="de-DE" dirty="0" err="1">
-                <a:effectLst/>
-                <a:latin typeface="Helvetica" pitchFamily="2" charset="0"/>
-              </a:rPr>
-              <a:t>the</a:t>
-            </a:r>
-            <a:r>
-              <a:rPr lang="de-DE" dirty="0">
-                <a:effectLst/>
-                <a:latin typeface="Helvetica" pitchFamily="2" charset="0"/>
-              </a:rPr>
-              <a:t> </a:t>
-            </a:r>
-            <a:r>
-              <a:rPr lang="de-DE" dirty="0" err="1">
-                <a:effectLst/>
-                <a:latin typeface="Helvetica" pitchFamily="2" charset="0"/>
-              </a:rPr>
-              <a:t>entity</a:t>
-            </a:r>
-            <a:r>
-              <a:rPr lang="de-DE" dirty="0">
-                <a:effectLst/>
-                <a:latin typeface="Helvetica" pitchFamily="2" charset="0"/>
-              </a:rPr>
-              <a:t>.</a:t>
-            </a:r>
-            <a:endParaRPr lang="de-DE" dirty="0"/>
-          </a:p>
-        </p:txBody>
-      </p:sp>
-    </p:spTree>
-    <p:extLst>
-      <p:ext uri="{BB962C8B-B14F-4D97-AF65-F5344CB8AC3E}">
-        <p14:creationId xmlns:p14="http://schemas.microsoft.com/office/powerpoint/2010/main" val="3964183736"/>
       </p:ext>
     </p:extLst>
   </p:cSld>
